--- a/slides/10-uncertainty.pptx
+++ b/slides/10-uncertainty.pptx
@@ -15,17 +15,17 @@
     <p:sldId id="260" r:id="rId6"/>
     <p:sldId id="261" r:id="rId7"/>
     <p:sldId id="262" r:id="rId8"/>
-    <p:sldId id="263" r:id="rId9"/>
-    <p:sldId id="264" r:id="rId10"/>
-    <p:sldId id="265" r:id="rId11"/>
-    <p:sldId id="266" r:id="rId12"/>
-    <p:sldId id="267" r:id="rId13"/>
-    <p:sldId id="270" r:id="rId14"/>
-    <p:sldId id="268" r:id="rId15"/>
-    <p:sldId id="271" r:id="rId16"/>
-    <p:sldId id="275" r:id="rId17"/>
-    <p:sldId id="274" r:id="rId18"/>
-    <p:sldId id="276" r:id="rId19"/>
+    <p:sldId id="288" r:id="rId9"/>
+    <p:sldId id="263" r:id="rId10"/>
+    <p:sldId id="264" r:id="rId11"/>
+    <p:sldId id="265" r:id="rId12"/>
+    <p:sldId id="266" r:id="rId13"/>
+    <p:sldId id="267" r:id="rId14"/>
+    <p:sldId id="270" r:id="rId15"/>
+    <p:sldId id="268" r:id="rId16"/>
+    <p:sldId id="271" r:id="rId17"/>
+    <p:sldId id="275" r:id="rId18"/>
+    <p:sldId id="274" r:id="rId19"/>
     <p:sldId id="277" r:id="rId20"/>
     <p:sldId id="278" r:id="rId21"/>
     <p:sldId id="279" r:id="rId22"/>
@@ -217,7 +217,7 @@
           <a:p>
             <a:fld id="{3CBB8A52-8AC5-C74C-97FB-632C448F3674}" type="datetimeFigureOut">
               <a:rPr lang="en-US" smtClean="0"/>
-              <a:t>10/16/24</a:t>
+              <a:t>10/30/24</a:t>
             </a:fld>
             <a:endParaRPr lang="en-US"/>
           </a:p>
@@ -673,7 +673,7 @@
     </p:spTree>
     <p:extLst>
       <p:ext uri="{BB962C8B-B14F-4D97-AF65-F5344CB8AC3E}">
-        <p14:creationId xmlns:p14="http://schemas.microsoft.com/office/powerpoint/2010/main" val="1511948582"/>
+        <p14:creationId xmlns:p14="http://schemas.microsoft.com/office/powerpoint/2010/main" val="2759696625"/>
       </p:ext>
     </p:extLst>
   </p:cSld>
@@ -727,16 +727,6 @@
           <a:bodyPr/>
           <a:lstStyle/>
           <a:p>
-            <a:r>
-              <a:rPr lang="en-US" b="0" i="0" dirty="0">
-                <a:solidFill>
-                  <a:srgbClr val="242424"/>
-                </a:solidFill>
-                <a:effectLst/>
-                <a:latin typeface="source-serif-pro"/>
-              </a:rPr>
-              <a:t>if the goal is simply to convey a coarse sense of uncertainty, a gradient plot might suffice. If the goal is for the user to be able to compare the relative amounts of probability density to make decisions, a density plot is more appropriate.</a:t>
-            </a:r>
             <a:endParaRPr lang="en-US" dirty="0"/>
           </a:p>
         </p:txBody>
@@ -767,7 +757,7 @@
     </p:spTree>
     <p:extLst>
       <p:ext uri="{BB962C8B-B14F-4D97-AF65-F5344CB8AC3E}">
-        <p14:creationId xmlns:p14="http://schemas.microsoft.com/office/powerpoint/2010/main" val="2201450847"/>
+        <p14:creationId xmlns:p14="http://schemas.microsoft.com/office/powerpoint/2010/main" val="1511948582"/>
       </p:ext>
     </p:extLst>
   </p:cSld>
@@ -824,12 +814,12 @@
             <a:r>
               <a:rPr lang="en-US" b="0" i="0" dirty="0">
                 <a:solidFill>
-                  <a:srgbClr val="292A2C"/>
+                  <a:srgbClr val="242424"/>
                 </a:solidFill>
                 <a:effectLst/>
-                <a:latin typeface="SourceSansPro-Regular"/>
+                <a:latin typeface="source-serif-pro"/>
               </a:rPr>
-              <a:t>animated visualizations in which each frame presents a draw from a distribution one wishes to convey, whether univariate or multivariate</a:t>
+              <a:t>if the goal is simply to convey a coarse sense of uncertainty, a gradient plot might suffice. If the goal is for the user to be able to compare the relative amounts of probability density to make decisions, a density plot is more appropriate.</a:t>
             </a:r>
             <a:endParaRPr lang="en-US" dirty="0"/>
           </a:p>
@@ -861,7 +851,7 @@
     </p:spTree>
     <p:extLst>
       <p:ext uri="{BB962C8B-B14F-4D97-AF65-F5344CB8AC3E}">
-        <p14:creationId xmlns:p14="http://schemas.microsoft.com/office/powerpoint/2010/main" val="3834618740"/>
+        <p14:creationId xmlns:p14="http://schemas.microsoft.com/office/powerpoint/2010/main" val="2201450847"/>
       </p:ext>
     </p:extLst>
   </p:cSld>
@@ -915,6 +905,16 @@
           <a:bodyPr/>
           <a:lstStyle/>
           <a:p>
+            <a:r>
+              <a:rPr lang="en-US" b="0" i="0" dirty="0">
+                <a:solidFill>
+                  <a:srgbClr val="292A2C"/>
+                </a:solidFill>
+                <a:effectLst/>
+                <a:latin typeface="SourceSansPro-Regular"/>
+              </a:rPr>
+              <a:t>animated visualizations in which each frame presents a draw from a distribution one wishes to convey, whether univariate or multivariate</a:t>
+            </a:r>
             <a:endParaRPr lang="en-US" dirty="0"/>
           </a:p>
         </p:txBody>
@@ -945,7 +945,7 @@
     </p:spTree>
     <p:extLst>
       <p:ext uri="{BB962C8B-B14F-4D97-AF65-F5344CB8AC3E}">
-        <p14:creationId xmlns:p14="http://schemas.microsoft.com/office/powerpoint/2010/main" val="2538594780"/>
+        <p14:creationId xmlns:p14="http://schemas.microsoft.com/office/powerpoint/2010/main" val="3834618740"/>
       </p:ext>
     </p:extLst>
   </p:cSld>
@@ -999,16 +999,6 @@
           <a:bodyPr/>
           <a:lstStyle/>
           <a:p>
-            <a:r>
-              <a:rPr lang="en-US" b="0" i="0" dirty="0">
-                <a:solidFill>
-                  <a:srgbClr val="292A2C"/>
-                </a:solidFill>
-                <a:effectLst/>
-                <a:latin typeface="SourceSansPro-Regular"/>
-              </a:rPr>
-              <a:t>animated visualizations in which each frame presents a draw from a distribution one wishes to convey, whether univariate or multivariate</a:t>
-            </a:r>
             <a:endParaRPr lang="en-US" dirty="0"/>
           </a:p>
         </p:txBody>
@@ -1039,7 +1029,7 @@
     </p:spTree>
     <p:extLst>
       <p:ext uri="{BB962C8B-B14F-4D97-AF65-F5344CB8AC3E}">
-        <p14:creationId xmlns:p14="http://schemas.microsoft.com/office/powerpoint/2010/main" val="2169448612"/>
+        <p14:creationId xmlns:p14="http://schemas.microsoft.com/office/powerpoint/2010/main" val="2538594780"/>
       </p:ext>
     </p:extLst>
   </p:cSld>
@@ -1133,7 +1123,7 @@
     </p:spTree>
     <p:extLst>
       <p:ext uri="{BB962C8B-B14F-4D97-AF65-F5344CB8AC3E}">
-        <p14:creationId xmlns:p14="http://schemas.microsoft.com/office/powerpoint/2010/main" val="3531096816"/>
+        <p14:creationId xmlns:p14="http://schemas.microsoft.com/office/powerpoint/2010/main" val="2169448612"/>
       </p:ext>
     </p:extLst>
   </p:cSld>
@@ -1186,6 +1176,36 @@
         <p:txBody>
           <a:bodyPr/>
           <a:lstStyle/>
+          <a:p>
+            <a:pPr marL="0" marR="0" lvl="0" indent="0" algn="l" defTabSz="914400" rtl="0" eaLnBrk="1" fontAlgn="auto" latinLnBrk="0" hangingPunct="1">
+              <a:lnSpc>
+                <a:spcPct val="100000"/>
+              </a:lnSpc>
+              <a:spcBef>
+                <a:spcPts val="0"/>
+              </a:spcBef>
+              <a:spcAft>
+                <a:spcPts val="0"/>
+              </a:spcAft>
+              <a:buClrTx/>
+              <a:buSzTx/>
+              <a:buFontTx/>
+              <a:buNone/>
+              <a:tabLst/>
+              <a:defRPr/>
+            </a:pPr>
+            <a:r>
+              <a:rPr lang="en-US" b="0" i="0" dirty="0">
+                <a:solidFill>
+                  <a:srgbClr val="292A2C"/>
+                </a:solidFill>
+                <a:effectLst/>
+                <a:latin typeface="SourceSansPro-Regular"/>
+              </a:rPr>
+              <a:t>animated visualizations in which each frame presents a draw from a distribution one wishes to convey, whether univariate or multivariate</a:t>
+            </a:r>
+            <a:endParaRPr lang="en-US" dirty="0"/>
+          </a:p>
           <a:p>
             <a:endParaRPr lang="en-US" dirty="0"/>
           </a:p>
@@ -1661,11 +1681,11 @@
 </file>
 
 <file path=ppt/notesSlides/notesSlide5.xml><?xml version="1.0" encoding="utf-8"?>
-<p:notes xmlns:a="http://schemas.openxmlformats.org/drawingml/2006/main" xmlns:r="http://schemas.openxmlformats.org/officeDocument/2006/relationships" xmlns:p="http://schemas.openxmlformats.org/presentationml/2006/main">
+<p:notes xmlns:a="http://schemas.openxmlformats.org/drawingml/2006/main" xmlns:r="http://schemas.openxmlformats.org/officeDocument/2006/relationships" xmlns:p="http://schemas.openxmlformats.org/presentationml/2006/main" showMasterSp="0" showMasterPhAnim="0">
   <p:cSld>
     <p:spTree>
       <p:nvGrpSpPr>
-        <p:cNvPr id="1" name=""/>
+        <p:cNvPr id="1" name="Shape 540"/>
         <p:cNvGrpSpPr/>
         <p:nvPr/>
       </p:nvGrpSpPr>
@@ -1679,74 +1699,84 @@
       </p:grpSpPr>
       <p:sp>
         <p:nvSpPr>
-          <p:cNvPr id="2" name="Slide Image Placeholder 1"/>
+          <p:cNvPr id="541" name="Google Shape;541;p44:notes"/>
+          <p:cNvSpPr txBox="1">
+            <a:spLocks noGrp="1"/>
+          </p:cNvSpPr>
+          <p:nvPr>
+            <p:ph type="body" idx="1"/>
+          </p:nvPr>
+        </p:nvSpPr>
+        <p:spPr>
+          <a:xfrm>
+            <a:off x="685800" y="4343400"/>
+            <a:ext cx="5486400" cy="4114800"/>
+          </a:xfrm>
+          <a:prstGeom prst="rect">
+            <a:avLst/>
+          </a:prstGeom>
+        </p:spPr>
+        <p:txBody>
+          <a:bodyPr spcFirstLastPara="1" wrap="square" lIns="91425" tIns="91425" rIns="91425" bIns="91425" anchor="t" anchorCtr="0">
+            <a:noAutofit/>
+          </a:bodyPr>
+          <a:lstStyle/>
+          <a:p>
+            <a:pPr marL="0" lvl="0" indent="0" algn="l" rtl="0">
+              <a:spcBef>
+                <a:spcPts val="0"/>
+              </a:spcBef>
+              <a:spcAft>
+                <a:spcPts val="0"/>
+              </a:spcAft>
+              <a:buNone/>
+            </a:pPr>
+            <a:endParaRPr/>
+          </a:p>
+        </p:txBody>
+      </p:sp>
+      <p:sp>
+        <p:nvSpPr>
+          <p:cNvPr id="542" name="Google Shape;542;p44:notes"/>
           <p:cNvSpPr>
             <a:spLocks noGrp="1" noRot="1" noChangeAspect="1"/>
           </p:cNvSpPr>
           <p:nvPr>
-            <p:ph type="sldImg"/>
-          </p:nvPr>
-        </p:nvSpPr>
-        <p:spPr/>
-      </p:sp>
-      <p:sp>
-        <p:nvSpPr>
-          <p:cNvPr id="3" name="Notes Placeholder 2"/>
-          <p:cNvSpPr>
-            <a:spLocks noGrp="1"/>
-          </p:cNvSpPr>
-          <p:nvPr>
-            <p:ph type="body" idx="1"/>
-          </p:nvPr>
-        </p:nvSpPr>
-        <p:spPr/>
-        <p:txBody>
-          <a:bodyPr/>
-          <a:lstStyle/>
-          <a:p>
-            <a:r>
-              <a:rPr lang="en-US" b="0" i="0" dirty="0">
-                <a:solidFill>
-                  <a:srgbClr val="242424"/>
-                </a:solidFill>
-                <a:effectLst/>
-                <a:latin typeface="source-serif-pro"/>
-              </a:rPr>
-              <a:t>First, there’s no guarantee that any individual viewer’s error will be proportional to the amount of uncertainty that is intended. Even if a designer chooses an encoding based on estimates of average error from graphical perception experiments, individual differences in accuracy can mean that one viewer’s estimate nearly perfectly matches the true value, while another viewer’s is even further off than the intended amount of error. Since we usually evaluate visualization designs based on how well they perform for individual users, it’s hard to rationalize a design choice that depends heavily on results averaged across viewers. Second, there’s no guarantee that a viewer will recognize that the visual encoding is less effective, and therefore lower their confidence in their estimate of the value: they might feel very confident about a bad estimate.</a:t>
-            </a:r>
-            <a:endParaRPr lang="en-US" dirty="0"/>
-          </a:p>
-        </p:txBody>
-      </p:sp>
-      <p:sp>
-        <p:nvSpPr>
-          <p:cNvPr id="4" name="Slide Number Placeholder 3"/>
-          <p:cNvSpPr>
-            <a:spLocks noGrp="1"/>
-          </p:cNvSpPr>
-          <p:nvPr>
-            <p:ph type="sldNum" sz="quarter" idx="5"/>
-          </p:nvPr>
-        </p:nvSpPr>
-        <p:spPr/>
-        <p:txBody>
-          <a:bodyPr/>
-          <a:lstStyle/>
-          <a:p>
-            <a:fld id="{E666506D-5C9B-294C-B2AE-15ACE8B5B9F7}" type="slidenum">
-              <a:rPr lang="en-US" smtClean="0"/>
-              <a:t>8</a:t>
-            </a:fld>
-            <a:endParaRPr lang="en-US"/>
-          </a:p>
-        </p:txBody>
+            <p:ph type="sldImg" idx="2"/>
+          </p:nvPr>
+        </p:nvSpPr>
+        <p:spPr>
+          <a:xfrm>
+            <a:off x="381000" y="685800"/>
+            <a:ext cx="6096000" cy="3429000"/>
+          </a:xfrm>
+          <a:custGeom>
+            <a:avLst/>
+            <a:gdLst/>
+            <a:ahLst/>
+            <a:cxnLst/>
+            <a:rect l="l" t="t" r="r" b="b"/>
+            <a:pathLst>
+              <a:path w="120000" h="120000" extrusionOk="0">
+                <a:moveTo>
+                  <a:pt x="0" y="0"/>
+                </a:moveTo>
+                <a:lnTo>
+                  <a:pt x="120000" y="0"/>
+                </a:lnTo>
+                <a:lnTo>
+                  <a:pt x="120000" y="120000"/>
+                </a:lnTo>
+                <a:lnTo>
+                  <a:pt x="0" y="120000"/>
+                </a:lnTo>
+                <a:close/>
+              </a:path>
+            </a:pathLst>
+          </a:custGeom>
+        </p:spPr>
       </p:sp>
     </p:spTree>
-    <p:extLst>
-      <p:ext uri="{BB962C8B-B14F-4D97-AF65-F5344CB8AC3E}">
-        <p14:creationId xmlns:p14="http://schemas.microsoft.com/office/powerpoint/2010/main" val="1318054639"/>
-      </p:ext>
-    </p:extLst>
   </p:cSld>
   <p:clrMapOvr>
     <a:masterClrMapping/>
@@ -1798,6 +1828,16 @@
           <a:bodyPr/>
           <a:lstStyle/>
           <a:p>
+            <a:r>
+              <a:rPr lang="en-US" b="0" i="0" dirty="0">
+                <a:solidFill>
+                  <a:srgbClr val="242424"/>
+                </a:solidFill>
+                <a:effectLst/>
+                <a:latin typeface="source-serif-pro"/>
+              </a:rPr>
+              <a:t>First, there’s no guarantee that any individual viewer’s error will be proportional to the amount of uncertainty that is intended. Even if a designer chooses an encoding based on estimates of average error from graphical perception experiments, individual differences in accuracy can mean that one viewer’s estimate nearly perfectly matches the true value, while another viewer’s is even further off than the intended amount of error. Since we usually evaluate visualization designs based on how well they perform for individual users, it’s hard to rationalize a design choice that depends heavily on results averaged across viewers. Second, there’s no guarantee that a viewer will recognize that the visual encoding is less effective, and therefore lower their confidence in their estimate of the value: they might feel very confident about a bad estimate.</a:t>
+            </a:r>
             <a:endParaRPr lang="en-US" dirty="0"/>
           </a:p>
         </p:txBody>
@@ -1828,7 +1868,7 @@
     </p:spTree>
     <p:extLst>
       <p:ext uri="{BB962C8B-B14F-4D97-AF65-F5344CB8AC3E}">
-        <p14:creationId xmlns:p14="http://schemas.microsoft.com/office/powerpoint/2010/main" val="3823144215"/>
+        <p14:creationId xmlns:p14="http://schemas.microsoft.com/office/powerpoint/2010/main" val="1318054639"/>
       </p:ext>
     </p:extLst>
   </p:cSld>
@@ -1912,7 +1952,7 @@
     </p:spTree>
     <p:extLst>
       <p:ext uri="{BB962C8B-B14F-4D97-AF65-F5344CB8AC3E}">
-        <p14:creationId xmlns:p14="http://schemas.microsoft.com/office/powerpoint/2010/main" val="2820865123"/>
+        <p14:creationId xmlns:p14="http://schemas.microsoft.com/office/powerpoint/2010/main" val="3823144215"/>
       </p:ext>
     </p:extLst>
   </p:cSld>
@@ -1996,7 +2036,7 @@
     </p:spTree>
     <p:extLst>
       <p:ext uri="{BB962C8B-B14F-4D97-AF65-F5344CB8AC3E}">
-        <p14:creationId xmlns:p14="http://schemas.microsoft.com/office/powerpoint/2010/main" val="933571951"/>
+        <p14:creationId xmlns:p14="http://schemas.microsoft.com/office/powerpoint/2010/main" val="2820865123"/>
       </p:ext>
     </p:extLst>
   </p:cSld>
@@ -2080,7 +2120,7 @@
     </p:spTree>
     <p:extLst>
       <p:ext uri="{BB962C8B-B14F-4D97-AF65-F5344CB8AC3E}">
-        <p14:creationId xmlns:p14="http://schemas.microsoft.com/office/powerpoint/2010/main" val="2759696625"/>
+        <p14:creationId xmlns:p14="http://schemas.microsoft.com/office/powerpoint/2010/main" val="933571951"/>
       </p:ext>
     </p:extLst>
   </p:cSld>
@@ -2315,7 +2355,7 @@
             <a:fld id="{5586B75A-687E-405C-8A0B-8D00578BA2C3}" type="datetimeFigureOut">
               <a:rPr lang="en-US" smtClean="0"/>
               <a:pPr/>
-              <a:t>10/16/24</a:t>
+              <a:t>10/30/24</a:t>
             </a:fld>
             <a:endParaRPr lang="en-US" dirty="0"/>
           </a:p>
@@ -2487,7 +2527,7 @@
             <a:fld id="{5586B75A-687E-405C-8A0B-8D00578BA2C3}" type="datetimeFigureOut">
               <a:rPr lang="en-US" smtClean="0"/>
               <a:pPr/>
-              <a:t>10/16/24</a:t>
+              <a:t>10/30/24</a:t>
             </a:fld>
             <a:endParaRPr lang="en-US" dirty="0"/>
           </a:p>
@@ -2669,7 +2709,7 @@
             <a:fld id="{5586B75A-687E-405C-8A0B-8D00578BA2C3}" type="datetimeFigureOut">
               <a:rPr lang="en-US" smtClean="0"/>
               <a:pPr/>
-              <a:t>10/16/24</a:t>
+              <a:t>10/30/24</a:t>
             </a:fld>
             <a:endParaRPr lang="en-US" dirty="0"/>
           </a:p>
@@ -2841,7 +2881,7 @@
             <a:fld id="{5586B75A-687E-405C-8A0B-8D00578BA2C3}" type="datetimeFigureOut">
               <a:rPr lang="en-US" smtClean="0"/>
               <a:pPr/>
-              <a:t>10/16/24</a:t>
+              <a:t>10/30/24</a:t>
             </a:fld>
             <a:endParaRPr lang="en-US" dirty="0"/>
           </a:p>
@@ -3097,7 +3137,7 @@
             <a:fld id="{5586B75A-687E-405C-8A0B-8D00578BA2C3}" type="datetimeFigureOut">
               <a:rPr lang="en-US" smtClean="0"/>
               <a:pPr/>
-              <a:t>10/16/24</a:t>
+              <a:t>10/30/24</a:t>
             </a:fld>
             <a:endParaRPr lang="en-US" dirty="0"/>
           </a:p>
@@ -3387,7 +3427,7 @@
             <a:fld id="{5586B75A-687E-405C-8A0B-8D00578BA2C3}" type="datetimeFigureOut">
               <a:rPr lang="en-US" smtClean="0"/>
               <a:pPr/>
-              <a:t>10/16/24</a:t>
+              <a:t>10/30/24</a:t>
             </a:fld>
             <a:endParaRPr lang="en-US" dirty="0"/>
           </a:p>
@@ -3831,7 +3871,7 @@
             <a:fld id="{5586B75A-687E-405C-8A0B-8D00578BA2C3}" type="datetimeFigureOut">
               <a:rPr lang="en-US" smtClean="0"/>
               <a:pPr/>
-              <a:t>10/16/24</a:t>
+              <a:t>10/30/24</a:t>
             </a:fld>
             <a:endParaRPr lang="en-US" dirty="0"/>
           </a:p>
@@ -3951,7 +3991,7 @@
             <a:fld id="{5586B75A-687E-405C-8A0B-8D00578BA2C3}" type="datetimeFigureOut">
               <a:rPr lang="en-US" smtClean="0"/>
               <a:pPr/>
-              <a:t>10/16/24</a:t>
+              <a:t>10/30/24</a:t>
             </a:fld>
             <a:endParaRPr lang="en-US" dirty="0"/>
           </a:p>
@@ -4048,7 +4088,7 @@
             <a:fld id="{5586B75A-687E-405C-8A0B-8D00578BA2C3}" type="datetimeFigureOut">
               <a:rPr lang="en-US" smtClean="0"/>
               <a:pPr/>
-              <a:t>10/16/24</a:t>
+              <a:t>10/30/24</a:t>
             </a:fld>
             <a:endParaRPr lang="en-US" dirty="0"/>
           </a:p>
@@ -4338,7 +4378,7 @@
             <a:fld id="{5586B75A-687E-405C-8A0B-8D00578BA2C3}" type="datetimeFigureOut">
               <a:rPr lang="en-US" smtClean="0"/>
               <a:pPr/>
-              <a:t>10/16/24</a:t>
+              <a:t>10/30/24</a:t>
             </a:fld>
             <a:endParaRPr lang="en-US" dirty="0"/>
           </a:p>
@@ -4613,7 +4653,7 @@
             <a:fld id="{5586B75A-687E-405C-8A0B-8D00578BA2C3}" type="datetimeFigureOut">
               <a:rPr lang="en-US" smtClean="0"/>
               <a:pPr/>
-              <a:t>10/16/24</a:t>
+              <a:t>10/30/24</a:t>
             </a:fld>
             <a:endParaRPr lang="en-US" dirty="0"/>
           </a:p>
@@ -4912,7 +4952,7 @@
             <a:fld id="{5586B75A-687E-405C-8A0B-8D00578BA2C3}" type="datetimeFigureOut">
               <a:rPr lang="en-US" smtClean="0"/>
               <a:pPr/>
-              <a:t>10/16/24</a:t>
+              <a:t>10/30/24</a:t>
             </a:fld>
             <a:endParaRPr lang="en-US" dirty="0"/>
           </a:p>
@@ -5594,6 +5634,162 @@
           <a:lstStyle/>
           <a:p>
             <a:r>
+              <a:rPr lang="en-US" sz="2400" dirty="0"/>
+              <a:t>Subtle ways to communicate uncertainty:</a:t>
+            </a:r>
+          </a:p>
+          <a:p>
+            <a:endParaRPr lang="en-US" sz="2400" dirty="0"/>
+          </a:p>
+          <a:p>
+            <a:endParaRPr lang="en-US" sz="2400" dirty="0"/>
+          </a:p>
+          <a:p>
+            <a:endParaRPr lang="en-US" sz="2400" dirty="0"/>
+          </a:p>
+          <a:p>
+            <a:pPr lvl="1"/>
+            <a:r>
+              <a:rPr lang="en-US" sz="2200" dirty="0"/>
+              <a:t>Can you see the uncertainty estimate? </a:t>
+            </a:r>
+          </a:p>
+        </p:txBody>
+      </p:sp>
+      <p:pic>
+        <p:nvPicPr>
+          <p:cNvPr id="7172" name="Picture 4">
+            <a:extLst>
+              <a:ext uri="{FF2B5EF4-FFF2-40B4-BE49-F238E27FC236}">
+                <a16:creationId xmlns:a16="http://schemas.microsoft.com/office/drawing/2014/main" id="{64385275-FC2C-6C05-729A-0EB881C697D9}"/>
+              </a:ext>
+            </a:extLst>
+          </p:cNvPr>
+          <p:cNvPicPr>
+            <a:picLocks noChangeAspect="1" noChangeArrowheads="1"/>
+          </p:cNvPicPr>
+          <p:nvPr/>
+        </p:nvPicPr>
+        <p:blipFill>
+          <a:blip r:embed="rId3">
+            <a:extLst>
+              <a:ext uri="{28A0092B-C50C-407E-A947-70E740481C1C}">
+                <a14:useLocalDpi xmlns:a14="http://schemas.microsoft.com/office/drawing/2010/main" val="0"/>
+              </a:ext>
+            </a:extLst>
+          </a:blip>
+          <a:srcRect/>
+          <a:stretch>
+            <a:fillRect/>
+          </a:stretch>
+        </p:blipFill>
+        <p:spPr bwMode="auto">
+          <a:xfrm>
+            <a:off x="3081868" y="1530349"/>
+            <a:ext cx="8890000" cy="1054100"/>
+          </a:xfrm>
+          <a:prstGeom prst="rect">
+            <a:avLst/>
+          </a:prstGeom>
+          <a:noFill/>
+          <a:extLst>
+            <a:ext uri="{909E8E84-426E-40DD-AFC4-6F175D3DCCD1}">
+              <a14:hiddenFill xmlns:a14="http://schemas.microsoft.com/office/drawing/2010/main">
+                <a:solidFill>
+                  <a:srgbClr val="FFFFFF"/>
+                </a:solidFill>
+              </a14:hiddenFill>
+            </a:ext>
+          </a:extLst>
+        </p:spPr>
+      </p:pic>
+    </p:spTree>
+    <p:extLst>
+      <p:ext uri="{BB962C8B-B14F-4D97-AF65-F5344CB8AC3E}">
+        <p14:creationId xmlns:p14="http://schemas.microsoft.com/office/powerpoint/2010/main" val="907879930"/>
+      </p:ext>
+    </p:extLst>
+  </p:cSld>
+  <p:clrMapOvr>
+    <a:masterClrMapping/>
+  </p:clrMapOvr>
+</p:sld>
+</file>
+
+<file path=ppt/slides/slide11.xml><?xml version="1.0" encoding="utf-8"?>
+<p:sld xmlns:a="http://schemas.openxmlformats.org/drawingml/2006/main" xmlns:r="http://schemas.openxmlformats.org/officeDocument/2006/relationships" xmlns:p="http://schemas.openxmlformats.org/presentationml/2006/main">
+  <p:cSld>
+    <p:spTree>
+      <p:nvGrpSpPr>
+        <p:cNvPr id="1" name=""/>
+        <p:cNvGrpSpPr/>
+        <p:nvPr/>
+      </p:nvGrpSpPr>
+      <p:grpSpPr>
+        <a:xfrm>
+          <a:off x="0" y="0"/>
+          <a:ext cx="0" cy="0"/>
+          <a:chOff x="0" y="0"/>
+          <a:chExt cx="0" cy="0"/>
+        </a:xfrm>
+      </p:grpSpPr>
+      <p:sp>
+        <p:nvSpPr>
+          <p:cNvPr id="2" name="Title 1">
+            <a:extLst>
+              <a:ext uri="{FF2B5EF4-FFF2-40B4-BE49-F238E27FC236}">
+                <a16:creationId xmlns:a16="http://schemas.microsoft.com/office/drawing/2014/main" id="{10D330C2-52A4-1ABA-980B-56FBC97F350C}"/>
+              </a:ext>
+            </a:extLst>
+          </p:cNvPr>
+          <p:cNvSpPr>
+            <a:spLocks noGrp="1"/>
+          </p:cNvSpPr>
+          <p:nvPr>
+            <p:ph type="title"/>
+          </p:nvPr>
+        </p:nvSpPr>
+        <p:spPr>
+          <a:xfrm>
+            <a:off x="252918" y="1123837"/>
+            <a:ext cx="3196863" cy="4601183"/>
+          </a:xfrm>
+        </p:spPr>
+        <p:txBody>
+          <a:bodyPr/>
+          <a:lstStyle/>
+          <a:p>
+            <a:r>
+              <a:rPr lang="en-US" dirty="0"/>
+              <a:t>Communicating Uncertainty</a:t>
+            </a:r>
+          </a:p>
+        </p:txBody>
+      </p:sp>
+      <p:sp>
+        <p:nvSpPr>
+          <p:cNvPr id="3" name="Content Placeholder 2">
+            <a:extLst>
+              <a:ext uri="{FF2B5EF4-FFF2-40B4-BE49-F238E27FC236}">
+                <a16:creationId xmlns:a16="http://schemas.microsoft.com/office/drawing/2014/main" id="{09034A00-3818-1701-807A-DC0F718A5A22}"/>
+              </a:ext>
+            </a:extLst>
+          </p:cNvPr>
+          <p:cNvSpPr>
+            <a:spLocks noGrp="1"/>
+          </p:cNvSpPr>
+          <p:nvPr>
+            <p:ph idx="1"/>
+          </p:nvPr>
+        </p:nvSpPr>
+        <p:spPr/>
+        <p:txBody>
+          <a:bodyPr anchor="t">
+            <a:normAutofit/>
+          </a:bodyPr>
+          <a:lstStyle/>
+          <a:p>
+            <a:r>
               <a:rPr lang="en-US" sz="2200" dirty="0"/>
               <a:t>Direct ways to communicate uncertainty:</a:t>
             </a:r>
@@ -5668,7 +5864,7 @@
 </p:sld>
 </file>
 
-<file path=ppt/slides/slide11.xml><?xml version="1.0" encoding="utf-8"?>
+<file path=ppt/slides/slide12.xml><?xml version="1.0" encoding="utf-8"?>
 <p:sld xmlns:a="http://schemas.openxmlformats.org/drawingml/2006/main" xmlns:r="http://schemas.openxmlformats.org/officeDocument/2006/relationships" xmlns:p="http://schemas.openxmlformats.org/presentationml/2006/main">
   <p:cSld>
     <p:spTree>
@@ -5816,7 +6012,7 @@
 </p:sld>
 </file>
 
-<file path=ppt/slides/slide12.xml><?xml version="1.0" encoding="utf-8"?>
+<file path=ppt/slides/slide13.xml><?xml version="1.0" encoding="utf-8"?>
 <p:sld xmlns:a="http://schemas.openxmlformats.org/drawingml/2006/main" xmlns:r="http://schemas.openxmlformats.org/officeDocument/2006/relationships" xmlns:p="http://schemas.openxmlformats.org/presentationml/2006/main">
   <p:cSld>
     <p:spTree>
@@ -5964,7 +6160,7 @@
 </p:sld>
 </file>
 
-<file path=ppt/slides/slide13.xml><?xml version="1.0" encoding="utf-8"?>
+<file path=ppt/slides/slide14.xml><?xml version="1.0" encoding="utf-8"?>
 <p:sld xmlns:a="http://schemas.openxmlformats.org/drawingml/2006/main" xmlns:r="http://schemas.openxmlformats.org/officeDocument/2006/relationships" xmlns:p="http://schemas.openxmlformats.org/presentationml/2006/main">
   <p:cSld>
     <p:spTree>
@@ -6112,7 +6308,7 @@
 </p:sld>
 </file>
 
-<file path=ppt/slides/slide14.xml><?xml version="1.0" encoding="utf-8"?>
+<file path=ppt/slides/slide15.xml><?xml version="1.0" encoding="utf-8"?>
 <p:sld xmlns:a="http://schemas.openxmlformats.org/drawingml/2006/main" xmlns:r="http://schemas.openxmlformats.org/officeDocument/2006/relationships" xmlns:p="http://schemas.openxmlformats.org/presentationml/2006/main">
   <p:cSld>
     <p:spTree>
@@ -6253,7 +6449,7 @@
 </p:sld>
 </file>
 
-<file path=ppt/slides/slide15.xml><?xml version="1.0" encoding="utf-8"?>
+<file path=ppt/slides/slide16.xml><?xml version="1.0" encoding="utf-8"?>
 <p:sld xmlns:a="http://schemas.openxmlformats.org/drawingml/2006/main" xmlns:r="http://schemas.openxmlformats.org/officeDocument/2006/relationships" xmlns:p="http://schemas.openxmlformats.org/presentationml/2006/main">
   <p:cSld>
     <p:spTree>
@@ -6676,7 +6872,7 @@
 </p:sld>
 </file>
 
-<file path=ppt/slides/slide16.xml><?xml version="1.0" encoding="utf-8"?>
+<file path=ppt/slides/slide17.xml><?xml version="1.0" encoding="utf-8"?>
 <p:sld xmlns:a="http://schemas.openxmlformats.org/drawingml/2006/main" xmlns:r="http://schemas.openxmlformats.org/officeDocument/2006/relationships" xmlns:p="http://schemas.openxmlformats.org/presentationml/2006/main">
   <p:cSld>
     <p:spTree>
@@ -7066,7 +7262,7 @@
 </p:sld>
 </file>
 
-<file path=ppt/slides/slide17.xml><?xml version="1.0" encoding="utf-8"?>
+<file path=ppt/slides/slide18.xml><?xml version="1.0" encoding="utf-8"?>
 <p:sld xmlns:a="http://schemas.openxmlformats.org/drawingml/2006/main" xmlns:r="http://schemas.openxmlformats.org/officeDocument/2006/relationships" xmlns:p="http://schemas.openxmlformats.org/presentationml/2006/main">
   <p:cSld>
     <p:spTree>
@@ -7339,176 +7535,6 @@
       </p:par>
     </p:tnLst>
   </p:timing>
-</p:sld>
-</file>
-
-<file path=ppt/slides/slide18.xml><?xml version="1.0" encoding="utf-8"?>
-<p:sld xmlns:a="http://schemas.openxmlformats.org/drawingml/2006/main" xmlns:r="http://schemas.openxmlformats.org/officeDocument/2006/relationships" xmlns:p="http://schemas.openxmlformats.org/presentationml/2006/main">
-  <p:cSld>
-    <p:spTree>
-      <p:nvGrpSpPr>
-        <p:cNvPr id="1" name=""/>
-        <p:cNvGrpSpPr/>
-        <p:nvPr/>
-      </p:nvGrpSpPr>
-      <p:grpSpPr>
-        <a:xfrm>
-          <a:off x="0" y="0"/>
-          <a:ext cx="0" cy="0"/>
-          <a:chOff x="0" y="0"/>
-          <a:chExt cx="0" cy="0"/>
-        </a:xfrm>
-      </p:grpSpPr>
-      <p:sp>
-        <p:nvSpPr>
-          <p:cNvPr id="2" name="Title 1">
-            <a:extLst>
-              <a:ext uri="{FF2B5EF4-FFF2-40B4-BE49-F238E27FC236}">
-                <a16:creationId xmlns:a16="http://schemas.microsoft.com/office/drawing/2014/main" id="{10D330C2-52A4-1ABA-980B-56FBC97F350C}"/>
-              </a:ext>
-            </a:extLst>
-          </p:cNvPr>
-          <p:cNvSpPr>
-            <a:spLocks noGrp="1"/>
-          </p:cNvSpPr>
-          <p:nvPr>
-            <p:ph type="title"/>
-          </p:nvPr>
-        </p:nvSpPr>
-        <p:spPr>
-          <a:xfrm>
-            <a:off x="252918" y="1123837"/>
-            <a:ext cx="3196863" cy="4601183"/>
-          </a:xfrm>
-        </p:spPr>
-        <p:txBody>
-          <a:bodyPr/>
-          <a:lstStyle/>
-          <a:p>
-            <a:r>
-              <a:rPr lang="en-US" dirty="0"/>
-              <a:t>What we mean when we say Uncertainty</a:t>
-            </a:r>
-          </a:p>
-        </p:txBody>
-      </p:sp>
-      <p:sp>
-        <p:nvSpPr>
-          <p:cNvPr id="3" name="Content Placeholder 2">
-            <a:extLst>
-              <a:ext uri="{FF2B5EF4-FFF2-40B4-BE49-F238E27FC236}">
-                <a16:creationId xmlns:a16="http://schemas.microsoft.com/office/drawing/2014/main" id="{09034A00-3818-1701-807A-DC0F718A5A22}"/>
-              </a:ext>
-            </a:extLst>
-          </p:cNvPr>
-          <p:cNvSpPr>
-            <a:spLocks noGrp="1"/>
-          </p:cNvSpPr>
-          <p:nvPr>
-            <p:ph idx="1"/>
-          </p:nvPr>
-        </p:nvSpPr>
-        <p:spPr/>
-        <p:txBody>
-          <a:bodyPr anchor="t">
-            <a:normAutofit/>
-          </a:bodyPr>
-          <a:lstStyle/>
-          <a:p>
-            <a:pPr marL="355600" indent="-342900">
-              <a:lnSpc>
-                <a:spcPct val="100000"/>
-              </a:lnSpc>
-              <a:spcBef>
-                <a:spcPts val="1225"/>
-              </a:spcBef>
-              <a:buClr>
-                <a:schemeClr val="tx1">
-                  <a:lumMod val="75000"/>
-                  <a:lumOff val="25000"/>
-                </a:schemeClr>
-              </a:buClr>
-              <a:buSzPct val="80000"/>
-              <a:buFont typeface="Arial" panose="020B0604020202020204" pitchFamily="34" charset="0"/>
-              <a:buChar char="•"/>
-              <a:tabLst>
-                <a:tab pos="194310" algn="l"/>
-              </a:tabLst>
-            </a:pPr>
-            <a:r>
-              <a:rPr lang="en-US" sz="2400" dirty="0">
-                <a:cs typeface="Arial"/>
-              </a:rPr>
-              <a:t>In visualization we’re talking about the different values the data could possibly be </a:t>
-            </a:r>
-          </a:p>
-          <a:p>
-            <a:pPr marL="355600" indent="-342900">
-              <a:lnSpc>
-                <a:spcPct val="100000"/>
-              </a:lnSpc>
-              <a:spcBef>
-                <a:spcPts val="1225"/>
-              </a:spcBef>
-              <a:buClr>
-                <a:schemeClr val="tx1">
-                  <a:lumMod val="75000"/>
-                  <a:lumOff val="25000"/>
-                </a:schemeClr>
-              </a:buClr>
-              <a:buSzPct val="80000"/>
-              <a:buFont typeface="Arial" panose="020B0604020202020204" pitchFamily="34" charset="0"/>
-              <a:buChar char="•"/>
-              <a:tabLst>
-                <a:tab pos="194310" algn="l"/>
-              </a:tabLst>
-            </a:pPr>
-            <a:r>
-              <a:rPr lang="en-US" sz="2400" dirty="0">
-                <a:cs typeface="Arial"/>
-              </a:rPr>
-              <a:t>Ex. We have some value we want to know about some population (</a:t>
-            </a:r>
-            <a:r>
-              <a:rPr lang="en-US" sz="2400" i="1" dirty="0">
-                <a:cs typeface="Arial"/>
-              </a:rPr>
-              <a:t>parameter</a:t>
-            </a:r>
-            <a:r>
-              <a:rPr lang="en-US" sz="2400" dirty="0">
-                <a:cs typeface="Arial"/>
-              </a:rPr>
-              <a:t> in stats), but we must estimate that value through a </a:t>
-            </a:r>
-            <a:r>
-              <a:rPr lang="en-US" sz="2400" i="1" dirty="0">
-                <a:cs typeface="Arial"/>
-              </a:rPr>
-              <a:t>sample </a:t>
-            </a:r>
-            <a:r>
-              <a:rPr lang="en-US" sz="2400" dirty="0">
-                <a:cs typeface="Arial"/>
-              </a:rPr>
-              <a:t>of the population </a:t>
-            </a:r>
-          </a:p>
-          <a:p>
-            <a:endParaRPr lang="en-US" sz="2400" dirty="0"/>
-          </a:p>
-        </p:txBody>
-      </p:sp>
-    </p:spTree>
-    <p:extLst>
-      <p:ext uri="{BB962C8B-B14F-4D97-AF65-F5344CB8AC3E}">
-        <p14:creationId xmlns:p14="http://schemas.microsoft.com/office/powerpoint/2010/main" val="1940426838"/>
-      </p:ext>
-    </p:extLst>
-  </p:cSld>
-  <p:clrMapOvr>
-    <a:masterClrMapping/>
-  </p:clrMapOvr>
 </p:sld>
 </file>
 
@@ -10228,6 +10254,1790 @@
   <p:cSld>
     <p:spTree>
       <p:nvGrpSpPr>
+        <p:cNvPr id="1" name="Shape 543"/>
+        <p:cNvGrpSpPr/>
+        <p:nvPr/>
+      </p:nvGrpSpPr>
+      <p:grpSpPr>
+        <a:xfrm>
+          <a:off x="0" y="0"/>
+          <a:ext cx="0" cy="0"/>
+          <a:chOff x="0" y="0"/>
+          <a:chExt cx="0" cy="0"/>
+        </a:xfrm>
+      </p:grpSpPr>
+      <p:cxnSp>
+        <p:nvCxnSpPr>
+          <p:cNvPr id="544" name="Google Shape;544;p45"/>
+          <p:cNvCxnSpPr/>
+          <p:nvPr/>
+        </p:nvCxnSpPr>
+        <p:spPr>
+          <a:xfrm rot="10800000" flipH="1">
+            <a:off x="4308231" y="1688123"/>
+            <a:ext cx="4267200" cy="4267200"/>
+          </a:xfrm>
+          <a:prstGeom prst="straightConnector1">
+            <a:avLst/>
+          </a:prstGeom>
+          <a:noFill/>
+          <a:ln w="12700" cap="rnd" cmpd="sng">
+            <a:solidFill>
+              <a:srgbClr val="000000"/>
+            </a:solidFill>
+            <a:prstDash val="dash"/>
+            <a:round/>
+            <a:headEnd type="none" w="sm" len="sm"/>
+            <a:tailEnd type="none" w="sm" len="sm"/>
+          </a:ln>
+        </p:spPr>
+      </p:cxnSp>
+      <p:sp>
+        <p:nvSpPr>
+          <p:cNvPr id="545" name="Google Shape;545;p45"/>
+          <p:cNvSpPr txBox="1">
+            <a:spLocks noGrp="1"/>
+          </p:cNvSpPr>
+          <p:nvPr>
+            <p:ph type="title"/>
+          </p:nvPr>
+        </p:nvSpPr>
+        <p:spPr>
+          <a:xfrm>
+            <a:off x="3622431" y="240323"/>
+            <a:ext cx="8229600" cy="990600"/>
+          </a:xfrm>
+          <a:prstGeom prst="rect">
+            <a:avLst/>
+          </a:prstGeom>
+          <a:noFill/>
+          <a:ln>
+            <a:noFill/>
+          </a:ln>
+        </p:spPr>
+        <p:txBody>
+          <a:bodyPr spcFirstLastPara="1" vert="horz" wrap="square" lIns="91425" tIns="45700" rIns="91425" bIns="45700" rtlCol="0" anchor="ctr" anchorCtr="0">
+            <a:noAutofit/>
+          </a:bodyPr>
+          <a:lstStyle/>
+          <a:p>
+            <a:pPr>
+              <a:spcBef>
+                <a:spcPts val="0"/>
+              </a:spcBef>
+              <a:buClr>
+                <a:schemeClr val="dk2"/>
+              </a:buClr>
+            </a:pPr>
+            <a:r>
+              <a:rPr lang="en-US" sz="2800" dirty="0">
+                <a:solidFill>
+                  <a:schemeClr val="tx1">
+                    <a:lumMod val="75000"/>
+                    <a:lumOff val="25000"/>
+                  </a:schemeClr>
+                </a:solidFill>
+                <a:latin typeface="+mn-lt"/>
+                <a:cs typeface="Arial"/>
+                <a:sym typeface="Arial"/>
+              </a:rPr>
+              <a:t>“Apparent” magnitude</a:t>
+            </a:r>
+            <a:endParaRPr sz="2800" dirty="0">
+              <a:solidFill>
+                <a:schemeClr val="tx1">
+                  <a:lumMod val="75000"/>
+                  <a:lumOff val="25000"/>
+                </a:schemeClr>
+              </a:solidFill>
+              <a:latin typeface="+mn-lt"/>
+              <a:cs typeface="Arial"/>
+              <a:sym typeface="Arial"/>
+            </a:endParaRPr>
+          </a:p>
+        </p:txBody>
+      </p:sp>
+      <p:sp>
+        <p:nvSpPr>
+          <p:cNvPr id="546" name="Google Shape;546;p45"/>
+          <p:cNvSpPr/>
+          <p:nvPr/>
+        </p:nvSpPr>
+        <p:spPr>
+          <a:xfrm>
+            <a:off x="5257800" y="6581002"/>
+            <a:ext cx="5410200" cy="276999"/>
+          </a:xfrm>
+          <a:prstGeom prst="rect">
+            <a:avLst/>
+          </a:prstGeom>
+          <a:noFill/>
+          <a:ln>
+            <a:noFill/>
+          </a:ln>
+        </p:spPr>
+        <p:txBody>
+          <a:bodyPr spcFirstLastPara="1" wrap="square" lIns="91425" tIns="45700" rIns="91425" bIns="45700" anchor="t" anchorCtr="0">
+            <a:noAutofit/>
+          </a:bodyPr>
+          <a:lstStyle/>
+          <a:p>
+            <a:pPr algn="r"/>
+            <a:r>
+              <a:rPr lang="en-US" sz="1200">
+                <a:solidFill>
+                  <a:schemeClr val="dk1"/>
+                </a:solidFill>
+                <a:latin typeface="Arial"/>
+                <a:ea typeface="Arial"/>
+                <a:cs typeface="Arial"/>
+                <a:sym typeface="Arial"/>
+              </a:rPr>
+              <a:t>http://makingmaps.net/2007/08/28/perceptual-scaling-of-map-symbols/</a:t>
+            </a:r>
+            <a:endParaRPr sz="1200">
+              <a:solidFill>
+                <a:schemeClr val="dk1"/>
+              </a:solidFill>
+              <a:latin typeface="Arial"/>
+              <a:ea typeface="Arial"/>
+              <a:cs typeface="Arial"/>
+              <a:sym typeface="Arial"/>
+            </a:endParaRPr>
+          </a:p>
+        </p:txBody>
+      </p:sp>
+      <p:sp>
+        <p:nvSpPr>
+          <p:cNvPr id="547" name="Google Shape;547;p45"/>
+          <p:cNvSpPr/>
+          <p:nvPr/>
+        </p:nvSpPr>
+        <p:spPr>
+          <a:xfrm>
+            <a:off x="4308231" y="1611923"/>
+            <a:ext cx="4343400" cy="4343400"/>
+          </a:xfrm>
+          <a:prstGeom prst="rect">
+            <a:avLst/>
+          </a:prstGeom>
+          <a:noFill/>
+          <a:ln w="38100" cap="flat" cmpd="sng">
+            <a:solidFill>
+              <a:srgbClr val="000000"/>
+            </a:solidFill>
+            <a:prstDash val="solid"/>
+            <a:round/>
+            <a:headEnd type="none" w="sm" len="sm"/>
+            <a:tailEnd type="none" w="sm" len="sm"/>
+          </a:ln>
+        </p:spPr>
+        <p:txBody>
+          <a:bodyPr spcFirstLastPara="1" wrap="square" lIns="91425" tIns="45700" rIns="91425" bIns="45700" anchor="ctr" anchorCtr="0">
+            <a:noAutofit/>
+          </a:bodyPr>
+          <a:lstStyle/>
+          <a:p>
+            <a:pPr algn="ctr"/>
+            <a:endParaRPr>
+              <a:solidFill>
+                <a:schemeClr val="lt1"/>
+              </a:solidFill>
+              <a:latin typeface="Arial"/>
+              <a:ea typeface="Arial"/>
+              <a:cs typeface="Arial"/>
+              <a:sym typeface="Arial"/>
+            </a:endParaRPr>
+          </a:p>
+        </p:txBody>
+      </p:sp>
+      <p:cxnSp>
+        <p:nvCxnSpPr>
+          <p:cNvPr id="548" name="Google Shape;548;p45"/>
+          <p:cNvCxnSpPr/>
+          <p:nvPr/>
+        </p:nvCxnSpPr>
+        <p:spPr>
+          <a:xfrm rot="10800000" flipH="1">
+            <a:off x="4308231" y="1688123"/>
+            <a:ext cx="4267200" cy="4267200"/>
+          </a:xfrm>
+          <a:prstGeom prst="straightConnector1">
+            <a:avLst/>
+          </a:prstGeom>
+          <a:noFill/>
+          <a:ln w="57150" cap="rnd" cmpd="sng">
+            <a:solidFill>
+              <a:srgbClr val="000000"/>
+            </a:solidFill>
+            <a:prstDash val="solid"/>
+            <a:round/>
+            <a:headEnd type="none" w="sm" len="sm"/>
+            <a:tailEnd type="triangle" w="med" len="med"/>
+          </a:ln>
+        </p:spPr>
+      </p:cxnSp>
+      <p:sp>
+        <p:nvSpPr>
+          <p:cNvPr id="549" name="Google Shape;549;p45"/>
+          <p:cNvSpPr/>
+          <p:nvPr/>
+        </p:nvSpPr>
+        <p:spPr>
+          <a:xfrm>
+            <a:off x="4305008" y="3311814"/>
+            <a:ext cx="4287734" cy="2648757"/>
+          </a:xfrm>
+          <a:custGeom>
+            <a:avLst/>
+            <a:gdLst/>
+            <a:ahLst/>
+            <a:cxnLst/>
+            <a:rect l="l" t="t" r="r" b="b"/>
+            <a:pathLst>
+              <a:path w="120000" h="120000" extrusionOk="0">
+                <a:moveTo>
+                  <a:pt x="0" y="120000"/>
+                </a:moveTo>
+                <a:cubicBezTo>
+                  <a:pt x="23696" y="89672"/>
+                  <a:pt x="41670" y="64754"/>
+                  <a:pt x="61670" y="44754"/>
+                </a:cubicBezTo>
+                <a:cubicBezTo>
+                  <a:pt x="81670" y="24754"/>
+                  <a:pt x="120000" y="0"/>
+                  <a:pt x="120000" y="0"/>
+                </a:cubicBezTo>
+              </a:path>
+            </a:pathLst>
+          </a:custGeom>
+          <a:noFill/>
+          <a:ln w="57150" cap="flat" cmpd="sng">
+            <a:solidFill>
+              <a:srgbClr val="000000"/>
+            </a:solidFill>
+            <a:prstDash val="solid"/>
+            <a:round/>
+            <a:headEnd type="none" w="sm" len="sm"/>
+            <a:tailEnd type="none" w="sm" len="sm"/>
+          </a:ln>
+        </p:spPr>
+        <p:txBody>
+          <a:bodyPr spcFirstLastPara="1" wrap="square" lIns="91425" tIns="45700" rIns="91425" bIns="45700" anchor="ctr" anchorCtr="0">
+            <a:noAutofit/>
+          </a:bodyPr>
+          <a:lstStyle/>
+          <a:p>
+            <a:pPr algn="ctr"/>
+            <a:endParaRPr>
+              <a:solidFill>
+                <a:schemeClr val="dk1"/>
+              </a:solidFill>
+              <a:latin typeface="Arial"/>
+              <a:ea typeface="Arial"/>
+              <a:cs typeface="Arial"/>
+              <a:sym typeface="Arial"/>
+            </a:endParaRPr>
+          </a:p>
+        </p:txBody>
+      </p:sp>
+      <p:sp>
+        <p:nvSpPr>
+          <p:cNvPr id="550" name="Google Shape;550;p45"/>
+          <p:cNvSpPr/>
+          <p:nvPr/>
+        </p:nvSpPr>
+        <p:spPr>
+          <a:xfrm>
+            <a:off x="4319087" y="4471157"/>
+            <a:ext cx="4298589" cy="1476357"/>
+          </a:xfrm>
+          <a:custGeom>
+            <a:avLst/>
+            <a:gdLst/>
+            <a:ahLst/>
+            <a:cxnLst/>
+            <a:rect l="l" t="t" r="r" b="b"/>
+            <a:pathLst>
+              <a:path w="120000" h="120000" extrusionOk="0">
+                <a:moveTo>
+                  <a:pt x="0" y="120000"/>
+                </a:moveTo>
+                <a:cubicBezTo>
+                  <a:pt x="25454" y="71764"/>
+                  <a:pt x="42727" y="44705"/>
+                  <a:pt x="62727" y="24705"/>
+                </a:cubicBezTo>
+                <a:cubicBezTo>
+                  <a:pt x="82727" y="4705"/>
+                  <a:pt x="120000" y="0"/>
+                  <a:pt x="120000" y="0"/>
+                </a:cubicBezTo>
+              </a:path>
+            </a:pathLst>
+          </a:custGeom>
+          <a:noFill/>
+          <a:ln w="57150" cap="flat" cmpd="sng">
+            <a:solidFill>
+              <a:srgbClr val="000000"/>
+            </a:solidFill>
+            <a:prstDash val="solid"/>
+            <a:round/>
+            <a:headEnd type="none" w="sm" len="sm"/>
+            <a:tailEnd type="none" w="sm" len="sm"/>
+          </a:ln>
+        </p:spPr>
+        <p:txBody>
+          <a:bodyPr spcFirstLastPara="1" wrap="square" lIns="91425" tIns="45700" rIns="91425" bIns="45700" anchor="ctr" anchorCtr="0">
+            <a:noAutofit/>
+          </a:bodyPr>
+          <a:lstStyle/>
+          <a:p>
+            <a:pPr algn="ctr"/>
+            <a:endParaRPr>
+              <a:solidFill>
+                <a:schemeClr val="dk1"/>
+              </a:solidFill>
+              <a:latin typeface="Arial"/>
+              <a:ea typeface="Arial"/>
+              <a:cs typeface="Arial"/>
+              <a:sym typeface="Arial"/>
+            </a:endParaRPr>
+          </a:p>
+        </p:txBody>
+      </p:sp>
+      <p:grpSp>
+        <p:nvGrpSpPr>
+          <p:cNvPr id="551" name="Google Shape;551;p45"/>
+          <p:cNvGrpSpPr/>
+          <p:nvPr/>
+        </p:nvGrpSpPr>
+        <p:grpSpPr>
+          <a:xfrm>
+            <a:off x="8789377" y="1535723"/>
+            <a:ext cx="2093390" cy="738664"/>
+            <a:chOff x="5624146" y="1524000"/>
+            <a:chExt cx="2093390" cy="738664"/>
+          </a:xfrm>
+        </p:grpSpPr>
+        <p:sp>
+          <p:nvSpPr>
+            <p:cNvPr id="552" name="Google Shape;552;p45"/>
+            <p:cNvSpPr/>
+            <p:nvPr/>
+          </p:nvSpPr>
+          <p:spPr>
+            <a:xfrm>
+              <a:off x="6934200" y="1661160"/>
+              <a:ext cx="457200" cy="91440"/>
+            </a:xfrm>
+            <a:prstGeom prst="rect">
+              <a:avLst/>
+            </a:prstGeom>
+            <a:solidFill>
+              <a:schemeClr val="dk2"/>
+            </a:solidFill>
+            <a:ln w="38100" cap="flat" cmpd="sng">
+              <a:solidFill>
+                <a:srgbClr val="000000"/>
+              </a:solidFill>
+              <a:prstDash val="solid"/>
+              <a:round/>
+              <a:headEnd type="none" w="sm" len="sm"/>
+              <a:tailEnd type="none" w="sm" len="sm"/>
+            </a:ln>
+          </p:spPr>
+          <p:txBody>
+            <a:bodyPr spcFirstLastPara="1" wrap="square" lIns="91425" tIns="45700" rIns="91425" bIns="45700" anchor="ctr" anchorCtr="0">
+              <a:noAutofit/>
+            </a:bodyPr>
+            <a:lstStyle/>
+            <a:p>
+              <a:pPr algn="ctr"/>
+              <a:endParaRPr>
+                <a:solidFill>
+                  <a:schemeClr val="lt1"/>
+                </a:solidFill>
+                <a:latin typeface="Arial"/>
+                <a:ea typeface="Arial"/>
+                <a:cs typeface="Arial"/>
+                <a:sym typeface="Arial"/>
+              </a:endParaRPr>
+            </a:p>
+          </p:txBody>
+        </p:sp>
+        <p:sp>
+          <p:nvSpPr>
+            <p:cNvPr id="553" name="Google Shape;553;p45"/>
+            <p:cNvSpPr/>
+            <p:nvPr/>
+          </p:nvSpPr>
+          <p:spPr>
+            <a:xfrm>
+              <a:off x="6705600" y="2133600"/>
+              <a:ext cx="914400" cy="91440"/>
+            </a:xfrm>
+            <a:prstGeom prst="rect">
+              <a:avLst/>
+            </a:prstGeom>
+            <a:solidFill>
+              <a:schemeClr val="dk2"/>
+            </a:solidFill>
+            <a:ln w="38100" cap="flat" cmpd="sng">
+              <a:solidFill>
+                <a:srgbClr val="000000"/>
+              </a:solidFill>
+              <a:prstDash val="solid"/>
+              <a:round/>
+              <a:headEnd type="none" w="sm" len="sm"/>
+              <a:tailEnd type="none" w="sm" len="sm"/>
+            </a:ln>
+          </p:spPr>
+          <p:txBody>
+            <a:bodyPr spcFirstLastPara="1" wrap="square" lIns="91425" tIns="45700" rIns="91425" bIns="45700" anchor="ctr" anchorCtr="0">
+              <a:noAutofit/>
+            </a:bodyPr>
+            <a:lstStyle/>
+            <a:p>
+              <a:pPr algn="ctr"/>
+              <a:endParaRPr>
+                <a:solidFill>
+                  <a:schemeClr val="lt1"/>
+                </a:solidFill>
+                <a:latin typeface="Arial"/>
+                <a:ea typeface="Arial"/>
+                <a:cs typeface="Arial"/>
+                <a:sym typeface="Arial"/>
+              </a:endParaRPr>
+            </a:p>
+          </p:txBody>
+        </p:sp>
+        <p:sp>
+          <p:nvSpPr>
+            <p:cNvPr id="554" name="Google Shape;554;p45"/>
+            <p:cNvSpPr/>
+            <p:nvPr/>
+          </p:nvSpPr>
+          <p:spPr>
+            <a:xfrm>
+              <a:off x="7086600" y="1889760"/>
+              <a:ext cx="630936" cy="91440"/>
+            </a:xfrm>
+            <a:prstGeom prst="rect">
+              <a:avLst/>
+            </a:prstGeom>
+            <a:solidFill>
+              <a:schemeClr val="dk2"/>
+            </a:solidFill>
+            <a:ln w="38100" cap="flat" cmpd="sng">
+              <a:solidFill>
+                <a:srgbClr val="000000"/>
+              </a:solidFill>
+              <a:prstDash val="solid"/>
+              <a:round/>
+              <a:headEnd type="none" w="sm" len="sm"/>
+              <a:tailEnd type="none" w="sm" len="sm"/>
+            </a:ln>
+          </p:spPr>
+          <p:txBody>
+            <a:bodyPr spcFirstLastPara="1" wrap="square" lIns="91425" tIns="45700" rIns="91425" bIns="45700" anchor="ctr" anchorCtr="0">
+              <a:noAutofit/>
+            </a:bodyPr>
+            <a:lstStyle/>
+            <a:p>
+              <a:pPr algn="ctr"/>
+              <a:endParaRPr>
+                <a:solidFill>
+                  <a:schemeClr val="lt1"/>
+                </a:solidFill>
+                <a:latin typeface="Arial"/>
+                <a:ea typeface="Arial"/>
+                <a:cs typeface="Arial"/>
+                <a:sym typeface="Arial"/>
+              </a:endParaRPr>
+            </a:p>
+          </p:txBody>
+        </p:sp>
+        <p:sp>
+          <p:nvSpPr>
+            <p:cNvPr id="555" name="Google Shape;555;p45"/>
+            <p:cNvSpPr/>
+            <p:nvPr/>
+          </p:nvSpPr>
+          <p:spPr>
+            <a:xfrm>
+              <a:off x="6751320" y="1889760"/>
+              <a:ext cx="182880" cy="91440"/>
+            </a:xfrm>
+            <a:prstGeom prst="rect">
+              <a:avLst/>
+            </a:prstGeom>
+            <a:solidFill>
+              <a:schemeClr val="dk2"/>
+            </a:solidFill>
+            <a:ln w="38100" cap="flat" cmpd="sng">
+              <a:solidFill>
+                <a:srgbClr val="000000"/>
+              </a:solidFill>
+              <a:prstDash val="solid"/>
+              <a:round/>
+              <a:headEnd type="none" w="sm" len="sm"/>
+              <a:tailEnd type="none" w="sm" len="sm"/>
+            </a:ln>
+          </p:spPr>
+          <p:txBody>
+            <a:bodyPr spcFirstLastPara="1" wrap="square" lIns="91425" tIns="45700" rIns="91425" bIns="45700" anchor="ctr" anchorCtr="0">
+              <a:noAutofit/>
+            </a:bodyPr>
+            <a:lstStyle/>
+            <a:p>
+              <a:pPr algn="ctr"/>
+              <a:endParaRPr>
+                <a:solidFill>
+                  <a:schemeClr val="lt1"/>
+                </a:solidFill>
+                <a:latin typeface="Arial"/>
+                <a:ea typeface="Arial"/>
+                <a:cs typeface="Arial"/>
+                <a:sym typeface="Arial"/>
+              </a:endParaRPr>
+            </a:p>
+          </p:txBody>
+        </p:sp>
+        <p:sp>
+          <p:nvSpPr>
+            <p:cNvPr id="556" name="Google Shape;556;p45"/>
+            <p:cNvSpPr txBox="1"/>
+            <p:nvPr/>
+          </p:nvSpPr>
+          <p:spPr>
+            <a:xfrm>
+              <a:off x="5624146" y="1524000"/>
+              <a:ext cx="890689" cy="738664"/>
+            </a:xfrm>
+            <a:prstGeom prst="rect">
+              <a:avLst/>
+            </a:prstGeom>
+            <a:noFill/>
+            <a:ln>
+              <a:noFill/>
+            </a:ln>
+          </p:spPr>
+          <p:txBody>
+            <a:bodyPr spcFirstLastPara="1" wrap="square" lIns="91425" tIns="45700" rIns="91425" bIns="45700" anchor="t" anchorCtr="0">
+              <a:noAutofit/>
+            </a:bodyPr>
+            <a:lstStyle/>
+            <a:p>
+              <a:pPr algn="ctr"/>
+              <a:r>
+                <a:rPr lang="en-US">
+                  <a:solidFill>
+                    <a:schemeClr val="dk1"/>
+                  </a:solidFill>
+                  <a:latin typeface="Arial"/>
+                  <a:ea typeface="Arial"/>
+                  <a:cs typeface="Arial"/>
+                  <a:sym typeface="Arial"/>
+                </a:rPr>
+                <a:t>Length</a:t>
+              </a:r>
+              <a:endParaRPr/>
+            </a:p>
+            <a:p>
+              <a:pPr algn="ctr"/>
+              <a:r>
+                <a:rPr lang="en-US" sz="1200">
+                  <a:solidFill>
+                    <a:schemeClr val="dk1"/>
+                  </a:solidFill>
+                  <a:latin typeface="Arial"/>
+                  <a:ea typeface="Arial"/>
+                  <a:cs typeface="Arial"/>
+                  <a:sym typeface="Arial"/>
+                </a:rPr>
+                <a:t>estimate </a:t>
+              </a:r>
+              <a:endParaRPr/>
+            </a:p>
+            <a:p>
+              <a:pPr algn="ctr"/>
+              <a:r>
+                <a:rPr lang="en-US" sz="1200">
+                  <a:solidFill>
+                    <a:schemeClr val="dk1"/>
+                  </a:solidFill>
+                  <a:latin typeface="Arial"/>
+                  <a:ea typeface="Arial"/>
+                  <a:cs typeface="Arial"/>
+                  <a:sym typeface="Arial"/>
+                </a:rPr>
+                <a:t>correctly</a:t>
+              </a:r>
+              <a:endParaRPr sz="1200">
+                <a:solidFill>
+                  <a:schemeClr val="dk1"/>
+                </a:solidFill>
+                <a:latin typeface="Arial"/>
+                <a:ea typeface="Arial"/>
+                <a:cs typeface="Arial"/>
+                <a:sym typeface="Arial"/>
+              </a:endParaRPr>
+            </a:p>
+          </p:txBody>
+        </p:sp>
+      </p:grpSp>
+      <p:grpSp>
+        <p:nvGrpSpPr>
+          <p:cNvPr id="557" name="Google Shape;557;p45"/>
+          <p:cNvGrpSpPr/>
+          <p:nvPr/>
+        </p:nvGrpSpPr>
+        <p:grpSpPr>
+          <a:xfrm>
+            <a:off x="8851595" y="2602523"/>
+            <a:ext cx="2086037" cy="1066800"/>
+            <a:chOff x="5686363" y="2590800"/>
+            <a:chExt cx="2086037" cy="1066800"/>
+          </a:xfrm>
+        </p:grpSpPr>
+        <p:sp>
+          <p:nvSpPr>
+            <p:cNvPr id="558" name="Google Shape;558;p45"/>
+            <p:cNvSpPr/>
+            <p:nvPr/>
+          </p:nvSpPr>
+          <p:spPr>
+            <a:xfrm>
+              <a:off x="6781800" y="3352800"/>
+              <a:ext cx="228600" cy="228600"/>
+            </a:xfrm>
+            <a:prstGeom prst="rect">
+              <a:avLst/>
+            </a:prstGeom>
+            <a:solidFill>
+              <a:schemeClr val="dk2"/>
+            </a:solidFill>
+            <a:ln w="38100" cap="flat" cmpd="sng">
+              <a:solidFill>
+                <a:srgbClr val="000000"/>
+              </a:solidFill>
+              <a:prstDash val="solid"/>
+              <a:round/>
+              <a:headEnd type="none" w="sm" len="sm"/>
+              <a:tailEnd type="none" w="sm" len="sm"/>
+            </a:ln>
+          </p:spPr>
+          <p:txBody>
+            <a:bodyPr spcFirstLastPara="1" wrap="square" lIns="91425" tIns="45700" rIns="91425" bIns="45700" anchor="ctr" anchorCtr="0">
+              <a:noAutofit/>
+            </a:bodyPr>
+            <a:lstStyle/>
+            <a:p>
+              <a:pPr algn="ctr"/>
+              <a:endParaRPr>
+                <a:solidFill>
+                  <a:schemeClr val="lt1"/>
+                </a:solidFill>
+                <a:latin typeface="Arial"/>
+                <a:ea typeface="Arial"/>
+                <a:cs typeface="Arial"/>
+                <a:sym typeface="Arial"/>
+              </a:endParaRPr>
+            </a:p>
+          </p:txBody>
+        </p:sp>
+        <p:sp>
+          <p:nvSpPr>
+            <p:cNvPr id="559" name="Google Shape;559;p45"/>
+            <p:cNvSpPr/>
+            <p:nvPr/>
+          </p:nvSpPr>
+          <p:spPr>
+            <a:xfrm>
+              <a:off x="6705600" y="2743200"/>
+              <a:ext cx="381000" cy="381000"/>
+            </a:xfrm>
+            <a:prstGeom prst="rect">
+              <a:avLst/>
+            </a:prstGeom>
+            <a:solidFill>
+              <a:schemeClr val="dk2"/>
+            </a:solidFill>
+            <a:ln w="38100" cap="flat" cmpd="sng">
+              <a:solidFill>
+                <a:srgbClr val="000000"/>
+              </a:solidFill>
+              <a:prstDash val="solid"/>
+              <a:round/>
+              <a:headEnd type="none" w="sm" len="sm"/>
+              <a:tailEnd type="none" w="sm" len="sm"/>
+            </a:ln>
+          </p:spPr>
+          <p:txBody>
+            <a:bodyPr spcFirstLastPara="1" wrap="square" lIns="91425" tIns="45700" rIns="91425" bIns="45700" anchor="ctr" anchorCtr="0">
+              <a:noAutofit/>
+            </a:bodyPr>
+            <a:lstStyle/>
+            <a:p>
+              <a:pPr algn="ctr"/>
+              <a:endParaRPr>
+                <a:solidFill>
+                  <a:schemeClr val="lt1"/>
+                </a:solidFill>
+                <a:latin typeface="Arial"/>
+                <a:ea typeface="Arial"/>
+                <a:cs typeface="Arial"/>
+                <a:sym typeface="Arial"/>
+              </a:endParaRPr>
+            </a:p>
+          </p:txBody>
+        </p:sp>
+        <p:sp>
+          <p:nvSpPr>
+            <p:cNvPr id="560" name="Google Shape;560;p45"/>
+            <p:cNvSpPr/>
+            <p:nvPr/>
+          </p:nvSpPr>
+          <p:spPr>
+            <a:xfrm>
+              <a:off x="7239000" y="2590800"/>
+              <a:ext cx="533400" cy="533400"/>
+            </a:xfrm>
+            <a:prstGeom prst="rect">
+              <a:avLst/>
+            </a:prstGeom>
+            <a:solidFill>
+              <a:schemeClr val="dk2"/>
+            </a:solidFill>
+            <a:ln w="38100" cap="flat" cmpd="sng">
+              <a:solidFill>
+                <a:srgbClr val="000000"/>
+              </a:solidFill>
+              <a:prstDash val="solid"/>
+              <a:round/>
+              <a:headEnd type="none" w="sm" len="sm"/>
+              <a:tailEnd type="none" w="sm" len="sm"/>
+            </a:ln>
+          </p:spPr>
+          <p:txBody>
+            <a:bodyPr spcFirstLastPara="1" wrap="square" lIns="91425" tIns="45700" rIns="91425" bIns="45700" anchor="ctr" anchorCtr="0">
+              <a:noAutofit/>
+            </a:bodyPr>
+            <a:lstStyle/>
+            <a:p>
+              <a:pPr algn="ctr"/>
+              <a:endParaRPr>
+                <a:solidFill>
+                  <a:schemeClr val="lt1"/>
+                </a:solidFill>
+                <a:latin typeface="Arial"/>
+                <a:ea typeface="Arial"/>
+                <a:cs typeface="Arial"/>
+                <a:sym typeface="Arial"/>
+              </a:endParaRPr>
+            </a:p>
+          </p:txBody>
+        </p:sp>
+        <p:sp>
+          <p:nvSpPr>
+            <p:cNvPr id="561" name="Google Shape;561;p45"/>
+            <p:cNvSpPr/>
+            <p:nvPr/>
+          </p:nvSpPr>
+          <p:spPr>
+            <a:xfrm>
+              <a:off x="7239000" y="3276600"/>
+              <a:ext cx="381000" cy="381000"/>
+            </a:xfrm>
+            <a:prstGeom prst="rect">
+              <a:avLst/>
+            </a:prstGeom>
+            <a:solidFill>
+              <a:schemeClr val="dk2"/>
+            </a:solidFill>
+            <a:ln w="38100" cap="flat" cmpd="sng">
+              <a:solidFill>
+                <a:srgbClr val="000000"/>
+              </a:solidFill>
+              <a:prstDash val="solid"/>
+              <a:round/>
+              <a:headEnd type="none" w="sm" len="sm"/>
+              <a:tailEnd type="none" w="sm" len="sm"/>
+            </a:ln>
+          </p:spPr>
+          <p:txBody>
+            <a:bodyPr spcFirstLastPara="1" wrap="square" lIns="91425" tIns="45700" rIns="91425" bIns="45700" anchor="ctr" anchorCtr="0">
+              <a:noAutofit/>
+            </a:bodyPr>
+            <a:lstStyle/>
+            <a:p>
+              <a:pPr algn="ctr"/>
+              <a:endParaRPr>
+                <a:solidFill>
+                  <a:schemeClr val="lt1"/>
+                </a:solidFill>
+                <a:latin typeface="Arial"/>
+                <a:ea typeface="Arial"/>
+                <a:cs typeface="Arial"/>
+                <a:sym typeface="Arial"/>
+              </a:endParaRPr>
+            </a:p>
+          </p:txBody>
+        </p:sp>
+        <p:sp>
+          <p:nvSpPr>
+            <p:cNvPr id="562" name="Google Shape;562;p45"/>
+            <p:cNvSpPr txBox="1"/>
+            <p:nvPr/>
+          </p:nvSpPr>
+          <p:spPr>
+            <a:xfrm>
+              <a:off x="5686363" y="2819400"/>
+              <a:ext cx="766255" cy="738664"/>
+            </a:xfrm>
+            <a:prstGeom prst="rect">
+              <a:avLst/>
+            </a:prstGeom>
+            <a:noFill/>
+            <a:ln>
+              <a:noFill/>
+            </a:ln>
+          </p:spPr>
+          <p:txBody>
+            <a:bodyPr spcFirstLastPara="1" wrap="square" lIns="91425" tIns="45700" rIns="91425" bIns="45700" anchor="t" anchorCtr="0">
+              <a:noAutofit/>
+            </a:bodyPr>
+            <a:lstStyle/>
+            <a:p>
+              <a:pPr algn="ctr"/>
+              <a:r>
+                <a:rPr lang="en-US">
+                  <a:solidFill>
+                    <a:schemeClr val="dk1"/>
+                  </a:solidFill>
+                  <a:latin typeface="Arial"/>
+                  <a:ea typeface="Arial"/>
+                  <a:cs typeface="Arial"/>
+                  <a:sym typeface="Arial"/>
+                </a:rPr>
+                <a:t>Area</a:t>
+              </a:r>
+              <a:endParaRPr/>
+            </a:p>
+            <a:p>
+              <a:pPr algn="ctr"/>
+              <a:r>
+                <a:rPr lang="en-US" sz="1200">
+                  <a:solidFill>
+                    <a:schemeClr val="dk1"/>
+                  </a:solidFill>
+                  <a:latin typeface="Arial"/>
+                  <a:ea typeface="Arial"/>
+                  <a:cs typeface="Arial"/>
+                  <a:sym typeface="Arial"/>
+                </a:rPr>
+                <a:t>under-</a:t>
+              </a:r>
+              <a:endParaRPr/>
+            </a:p>
+            <a:p>
+              <a:pPr algn="ctr"/>
+              <a:r>
+                <a:rPr lang="en-US" sz="1200">
+                  <a:solidFill>
+                    <a:schemeClr val="dk1"/>
+                  </a:solidFill>
+                  <a:latin typeface="Arial"/>
+                  <a:ea typeface="Arial"/>
+                  <a:cs typeface="Arial"/>
+                  <a:sym typeface="Arial"/>
+                </a:rPr>
+                <a:t>estimate</a:t>
+              </a:r>
+              <a:endParaRPr sz="1200">
+                <a:solidFill>
+                  <a:schemeClr val="dk1"/>
+                </a:solidFill>
+                <a:latin typeface="Arial"/>
+                <a:ea typeface="Arial"/>
+                <a:cs typeface="Arial"/>
+                <a:sym typeface="Arial"/>
+              </a:endParaRPr>
+            </a:p>
+          </p:txBody>
+        </p:sp>
+      </p:grpSp>
+      <p:grpSp>
+        <p:nvGrpSpPr>
+          <p:cNvPr id="563" name="Google Shape;563;p45"/>
+          <p:cNvGrpSpPr/>
+          <p:nvPr/>
+        </p:nvGrpSpPr>
+        <p:grpSpPr>
+          <a:xfrm>
+            <a:off x="8751011" y="4126523"/>
+            <a:ext cx="2262820" cy="1219200"/>
+            <a:chOff x="5585780" y="4114800"/>
+            <a:chExt cx="2262820" cy="1219200"/>
+          </a:xfrm>
+        </p:grpSpPr>
+        <p:sp>
+          <p:nvSpPr>
+            <p:cNvPr id="564" name="Google Shape;564;p45"/>
+            <p:cNvSpPr/>
+            <p:nvPr/>
+          </p:nvSpPr>
+          <p:spPr>
+            <a:xfrm flipH="1">
+              <a:off x="6629400" y="4572000"/>
+              <a:ext cx="457200" cy="457200"/>
+            </a:xfrm>
+            <a:prstGeom prst="cube">
+              <a:avLst>
+                <a:gd name="adj" fmla="val 15206"/>
+              </a:avLst>
+            </a:prstGeom>
+            <a:solidFill>
+              <a:schemeClr val="dk2"/>
+            </a:solidFill>
+            <a:ln w="38100" cap="flat" cmpd="sng">
+              <a:solidFill>
+                <a:srgbClr val="000000"/>
+              </a:solidFill>
+              <a:prstDash val="solid"/>
+              <a:round/>
+              <a:headEnd type="none" w="sm" len="sm"/>
+              <a:tailEnd type="none" w="sm" len="sm"/>
+            </a:ln>
+          </p:spPr>
+          <p:txBody>
+            <a:bodyPr spcFirstLastPara="1" wrap="square" lIns="91425" tIns="45700" rIns="91425" bIns="45700" anchor="ctr" anchorCtr="0">
+              <a:noAutofit/>
+            </a:bodyPr>
+            <a:lstStyle/>
+            <a:p>
+              <a:pPr algn="ctr"/>
+              <a:endParaRPr>
+                <a:solidFill>
+                  <a:schemeClr val="lt1"/>
+                </a:solidFill>
+                <a:latin typeface="Arial"/>
+                <a:ea typeface="Arial"/>
+                <a:cs typeface="Arial"/>
+                <a:sym typeface="Arial"/>
+              </a:endParaRPr>
+            </a:p>
+          </p:txBody>
+        </p:sp>
+        <p:sp>
+          <p:nvSpPr>
+            <p:cNvPr id="565" name="Google Shape;565;p45"/>
+            <p:cNvSpPr/>
+            <p:nvPr/>
+          </p:nvSpPr>
+          <p:spPr>
+            <a:xfrm>
+              <a:off x="7239000" y="4724400"/>
+              <a:ext cx="609600" cy="609600"/>
+            </a:xfrm>
+            <a:prstGeom prst="cube">
+              <a:avLst>
+                <a:gd name="adj" fmla="val 15206"/>
+              </a:avLst>
+            </a:prstGeom>
+            <a:solidFill>
+              <a:schemeClr val="dk2"/>
+            </a:solidFill>
+            <a:ln w="38100" cap="flat" cmpd="sng">
+              <a:solidFill>
+                <a:srgbClr val="000000"/>
+              </a:solidFill>
+              <a:prstDash val="solid"/>
+              <a:round/>
+              <a:headEnd type="none" w="sm" len="sm"/>
+              <a:tailEnd type="none" w="sm" len="sm"/>
+            </a:ln>
+          </p:spPr>
+          <p:txBody>
+            <a:bodyPr spcFirstLastPara="1" wrap="square" lIns="91425" tIns="45700" rIns="91425" bIns="45700" anchor="ctr" anchorCtr="0">
+              <a:noAutofit/>
+            </a:bodyPr>
+            <a:lstStyle/>
+            <a:p>
+              <a:pPr algn="ctr"/>
+              <a:endParaRPr>
+                <a:solidFill>
+                  <a:schemeClr val="lt1"/>
+                </a:solidFill>
+                <a:latin typeface="Arial"/>
+                <a:ea typeface="Arial"/>
+                <a:cs typeface="Arial"/>
+                <a:sym typeface="Arial"/>
+              </a:endParaRPr>
+            </a:p>
+          </p:txBody>
+        </p:sp>
+        <p:sp>
+          <p:nvSpPr>
+            <p:cNvPr id="566" name="Google Shape;566;p45"/>
+            <p:cNvSpPr/>
+            <p:nvPr/>
+          </p:nvSpPr>
+          <p:spPr>
+            <a:xfrm>
+              <a:off x="7086600" y="4114800"/>
+              <a:ext cx="381000" cy="381000"/>
+            </a:xfrm>
+            <a:prstGeom prst="cube">
+              <a:avLst>
+                <a:gd name="adj" fmla="val 15206"/>
+              </a:avLst>
+            </a:prstGeom>
+            <a:solidFill>
+              <a:schemeClr val="dk2"/>
+            </a:solidFill>
+            <a:ln w="38100" cap="flat" cmpd="sng">
+              <a:solidFill>
+                <a:srgbClr val="000000"/>
+              </a:solidFill>
+              <a:prstDash val="solid"/>
+              <a:round/>
+              <a:headEnd type="none" w="sm" len="sm"/>
+              <a:tailEnd type="none" w="sm" len="sm"/>
+            </a:ln>
+          </p:spPr>
+          <p:txBody>
+            <a:bodyPr spcFirstLastPara="1" wrap="square" lIns="91425" tIns="45700" rIns="91425" bIns="45700" anchor="ctr" anchorCtr="0">
+              <a:noAutofit/>
+            </a:bodyPr>
+            <a:lstStyle/>
+            <a:p>
+              <a:pPr algn="ctr"/>
+              <a:endParaRPr>
+                <a:solidFill>
+                  <a:schemeClr val="lt1"/>
+                </a:solidFill>
+                <a:latin typeface="Arial"/>
+                <a:ea typeface="Arial"/>
+                <a:cs typeface="Arial"/>
+                <a:sym typeface="Arial"/>
+              </a:endParaRPr>
+            </a:p>
+          </p:txBody>
+        </p:sp>
+        <p:sp>
+          <p:nvSpPr>
+            <p:cNvPr id="567" name="Google Shape;567;p45"/>
+            <p:cNvSpPr/>
+            <p:nvPr/>
+          </p:nvSpPr>
+          <p:spPr>
+            <a:xfrm flipH="1">
+              <a:off x="7620000" y="4267200"/>
+              <a:ext cx="228600" cy="228600"/>
+            </a:xfrm>
+            <a:prstGeom prst="cube">
+              <a:avLst>
+                <a:gd name="adj" fmla="val 15206"/>
+              </a:avLst>
+            </a:prstGeom>
+            <a:solidFill>
+              <a:schemeClr val="dk2"/>
+            </a:solidFill>
+            <a:ln w="38100" cap="flat" cmpd="sng">
+              <a:solidFill>
+                <a:srgbClr val="000000"/>
+              </a:solidFill>
+              <a:prstDash val="solid"/>
+              <a:round/>
+              <a:headEnd type="none" w="sm" len="sm"/>
+              <a:tailEnd type="none" w="sm" len="sm"/>
+            </a:ln>
+          </p:spPr>
+          <p:txBody>
+            <a:bodyPr spcFirstLastPara="1" wrap="square" lIns="91425" tIns="45700" rIns="91425" bIns="45700" anchor="ctr" anchorCtr="0">
+              <a:noAutofit/>
+            </a:bodyPr>
+            <a:lstStyle/>
+            <a:p>
+              <a:pPr algn="ctr"/>
+              <a:endParaRPr>
+                <a:solidFill>
+                  <a:schemeClr val="lt1"/>
+                </a:solidFill>
+                <a:latin typeface="Arial"/>
+                <a:ea typeface="Arial"/>
+                <a:cs typeface="Arial"/>
+                <a:sym typeface="Arial"/>
+              </a:endParaRPr>
+            </a:p>
+          </p:txBody>
+        </p:sp>
+        <p:sp>
+          <p:nvSpPr>
+            <p:cNvPr id="568" name="Google Shape;568;p45"/>
+            <p:cNvSpPr txBox="1"/>
+            <p:nvPr/>
+          </p:nvSpPr>
+          <p:spPr>
+            <a:xfrm>
+              <a:off x="5585780" y="4267200"/>
+              <a:ext cx="967420" cy="738664"/>
+            </a:xfrm>
+            <a:prstGeom prst="rect">
+              <a:avLst/>
+            </a:prstGeom>
+            <a:noFill/>
+            <a:ln>
+              <a:noFill/>
+            </a:ln>
+          </p:spPr>
+          <p:txBody>
+            <a:bodyPr spcFirstLastPara="1" wrap="square" lIns="91425" tIns="45700" rIns="91425" bIns="45700" anchor="t" anchorCtr="0">
+              <a:noAutofit/>
+            </a:bodyPr>
+            <a:lstStyle/>
+            <a:p>
+              <a:pPr algn="ctr"/>
+              <a:r>
+                <a:rPr lang="en-US">
+                  <a:solidFill>
+                    <a:schemeClr val="dk1"/>
+                  </a:solidFill>
+                  <a:latin typeface="Arial"/>
+                  <a:ea typeface="Arial"/>
+                  <a:cs typeface="Arial"/>
+                  <a:sym typeface="Arial"/>
+                </a:rPr>
+                <a:t>Volume</a:t>
+              </a:r>
+              <a:endParaRPr/>
+            </a:p>
+            <a:p>
+              <a:pPr algn="ctr"/>
+              <a:r>
+                <a:rPr lang="en-US" sz="1200" b="1">
+                  <a:solidFill>
+                    <a:schemeClr val="dk1"/>
+                  </a:solidFill>
+                  <a:latin typeface="Arial"/>
+                  <a:ea typeface="Arial"/>
+                  <a:cs typeface="Arial"/>
+                  <a:sym typeface="Arial"/>
+                </a:rPr>
+                <a:t>way</a:t>
+              </a:r>
+              <a:r>
+                <a:rPr lang="en-US" sz="1200">
+                  <a:solidFill>
+                    <a:schemeClr val="dk1"/>
+                  </a:solidFill>
+                  <a:latin typeface="Arial"/>
+                  <a:ea typeface="Arial"/>
+                  <a:cs typeface="Arial"/>
+                  <a:sym typeface="Arial"/>
+                </a:rPr>
+                <a:t> under-</a:t>
+              </a:r>
+              <a:endParaRPr/>
+            </a:p>
+            <a:p>
+              <a:pPr algn="ctr"/>
+              <a:r>
+                <a:rPr lang="en-US" sz="1200">
+                  <a:solidFill>
+                    <a:schemeClr val="dk1"/>
+                  </a:solidFill>
+                  <a:latin typeface="Arial"/>
+                  <a:ea typeface="Arial"/>
+                  <a:cs typeface="Arial"/>
+                  <a:sym typeface="Arial"/>
+                </a:rPr>
+                <a:t>estimate</a:t>
+              </a:r>
+              <a:endParaRPr sz="1200">
+                <a:solidFill>
+                  <a:schemeClr val="dk1"/>
+                </a:solidFill>
+                <a:latin typeface="Arial"/>
+                <a:ea typeface="Arial"/>
+                <a:cs typeface="Arial"/>
+                <a:sym typeface="Arial"/>
+              </a:endParaRPr>
+            </a:p>
+          </p:txBody>
+        </p:sp>
+      </p:grpSp>
+      <p:sp>
+        <p:nvSpPr>
+          <p:cNvPr id="569" name="Google Shape;569;p45"/>
+          <p:cNvSpPr txBox="1"/>
+          <p:nvPr/>
+        </p:nvSpPr>
+        <p:spPr>
+          <a:xfrm rot="-5400000">
+            <a:off x="3479218" y="3445445"/>
+            <a:ext cx="1052892" cy="461665"/>
+          </a:xfrm>
+          <a:prstGeom prst="rect">
+            <a:avLst/>
+          </a:prstGeom>
+          <a:noFill/>
+          <a:ln>
+            <a:noFill/>
+          </a:ln>
+        </p:spPr>
+        <p:txBody>
+          <a:bodyPr spcFirstLastPara="1" wrap="square" lIns="91425" tIns="45700" rIns="91425" bIns="45700" anchor="t" anchorCtr="0">
+            <a:noAutofit/>
+          </a:bodyPr>
+          <a:lstStyle/>
+          <a:p>
+            <a:r>
+              <a:rPr lang="en-US" sz="2400">
+                <a:solidFill>
+                  <a:schemeClr val="dk1"/>
+                </a:solidFill>
+                <a:latin typeface="Arial"/>
+                <a:ea typeface="Arial"/>
+                <a:cs typeface="Arial"/>
+                <a:sym typeface="Arial"/>
+              </a:rPr>
+              <a:t>Actual</a:t>
+            </a:r>
+            <a:endParaRPr sz="2400">
+              <a:solidFill>
+                <a:schemeClr val="dk1"/>
+              </a:solidFill>
+              <a:latin typeface="Arial"/>
+              <a:ea typeface="Arial"/>
+              <a:cs typeface="Arial"/>
+              <a:sym typeface="Arial"/>
+            </a:endParaRPr>
+          </a:p>
+        </p:txBody>
+      </p:sp>
+      <p:sp>
+        <p:nvSpPr>
+          <p:cNvPr id="570" name="Google Shape;570;p45"/>
+          <p:cNvSpPr txBox="1"/>
+          <p:nvPr/>
+        </p:nvSpPr>
+        <p:spPr>
+          <a:xfrm>
+            <a:off x="5679831" y="5955324"/>
+            <a:ext cx="1553280" cy="461665"/>
+          </a:xfrm>
+          <a:prstGeom prst="rect">
+            <a:avLst/>
+          </a:prstGeom>
+          <a:noFill/>
+          <a:ln>
+            <a:noFill/>
+          </a:ln>
+        </p:spPr>
+        <p:txBody>
+          <a:bodyPr spcFirstLastPara="1" wrap="square" lIns="91425" tIns="45700" rIns="91425" bIns="45700" anchor="t" anchorCtr="0">
+            <a:noAutofit/>
+          </a:bodyPr>
+          <a:lstStyle/>
+          <a:p>
+            <a:r>
+              <a:rPr lang="en-US" sz="2400">
+                <a:solidFill>
+                  <a:schemeClr val="dk1"/>
+                </a:solidFill>
+                <a:latin typeface="Arial"/>
+                <a:ea typeface="Arial"/>
+                <a:cs typeface="Arial"/>
+                <a:sym typeface="Arial"/>
+              </a:rPr>
+              <a:t>Perceived</a:t>
+            </a:r>
+            <a:endParaRPr sz="2400">
+              <a:solidFill>
+                <a:schemeClr val="dk1"/>
+              </a:solidFill>
+              <a:latin typeface="Arial"/>
+              <a:ea typeface="Arial"/>
+              <a:cs typeface="Arial"/>
+              <a:sym typeface="Arial"/>
+            </a:endParaRPr>
+          </a:p>
+        </p:txBody>
+      </p:sp>
+      <p:sp>
+        <p:nvSpPr>
+          <p:cNvPr id="571" name="Google Shape;571;p45"/>
+          <p:cNvSpPr txBox="1"/>
+          <p:nvPr/>
+        </p:nvSpPr>
+        <p:spPr>
+          <a:xfrm rot="-2700000">
+            <a:off x="4967257" y="3489103"/>
+            <a:ext cx="2635457" cy="369332"/>
+          </a:xfrm>
+          <a:prstGeom prst="rect">
+            <a:avLst/>
+          </a:prstGeom>
+          <a:noFill/>
+          <a:ln>
+            <a:noFill/>
+          </a:ln>
+        </p:spPr>
+        <p:txBody>
+          <a:bodyPr spcFirstLastPara="1" wrap="square" lIns="91425" tIns="45700" rIns="91425" bIns="45700" anchor="t" anchorCtr="0">
+            <a:noAutofit/>
+          </a:bodyPr>
+          <a:lstStyle/>
+          <a:p>
+            <a:r>
+              <a:rPr lang="en-US">
+                <a:solidFill>
+                  <a:schemeClr val="dk1"/>
+                </a:solidFill>
+                <a:latin typeface="Arial"/>
+                <a:ea typeface="Arial"/>
+                <a:cs typeface="Arial"/>
+                <a:sym typeface="Arial"/>
+              </a:rPr>
+              <a:t>perfect correspondence</a:t>
+            </a:r>
+            <a:endParaRPr>
+              <a:solidFill>
+                <a:schemeClr val="dk1"/>
+              </a:solidFill>
+              <a:latin typeface="Arial"/>
+              <a:ea typeface="Arial"/>
+              <a:cs typeface="Arial"/>
+              <a:sym typeface="Arial"/>
+            </a:endParaRPr>
+          </a:p>
+        </p:txBody>
+      </p:sp>
+      <p:sp>
+        <p:nvSpPr>
+          <p:cNvPr id="3" name="Title 1">
+            <a:extLst>
+              <a:ext uri="{FF2B5EF4-FFF2-40B4-BE49-F238E27FC236}">
+                <a16:creationId xmlns:a16="http://schemas.microsoft.com/office/drawing/2014/main" id="{8423332A-C084-AF26-3CB6-29CC2C654588}"/>
+              </a:ext>
+            </a:extLst>
+          </p:cNvPr>
+          <p:cNvSpPr txBox="1">
+            <a:spLocks/>
+          </p:cNvSpPr>
+          <p:nvPr/>
+        </p:nvSpPr>
+        <p:spPr>
+          <a:xfrm>
+            <a:off x="252919" y="1123837"/>
+            <a:ext cx="2947482" cy="4601183"/>
+          </a:xfrm>
+          <a:prstGeom prst="rect">
+            <a:avLst/>
+          </a:prstGeom>
+        </p:spPr>
+        <p:txBody>
+          <a:bodyPr vert="horz" lIns="91440" tIns="45720" rIns="91440" bIns="45720" rtlCol="0" anchor="ctr">
+            <a:normAutofit/>
+          </a:bodyPr>
+          <a:lstStyle>
+            <a:lvl1pPr algn="l" defTabSz="914400" rtl="0" eaLnBrk="1" latinLnBrk="0" hangingPunct="1">
+              <a:lnSpc>
+                <a:spcPct val="90000"/>
+              </a:lnSpc>
+              <a:spcBef>
+                <a:spcPct val="0"/>
+              </a:spcBef>
+              <a:buNone/>
+              <a:defRPr sz="3600" kern="1200" spc="-60" baseline="0">
+                <a:solidFill>
+                  <a:srgbClr val="FFFFFF"/>
+                </a:solidFill>
+                <a:latin typeface="+mj-lt"/>
+                <a:ea typeface="+mj-ea"/>
+                <a:cs typeface="+mj-cs"/>
+              </a:defRPr>
+            </a:lvl1pPr>
+          </a:lstStyle>
+          <a:p>
+            <a:r>
+              <a:rPr lang="en-US" dirty="0"/>
+              <a:t>Attentive processing</a:t>
+            </a:r>
+          </a:p>
+        </p:txBody>
+      </p:sp>
+      <p:sp>
+        <p:nvSpPr>
+          <p:cNvPr id="2" name="Frame 1">
+            <a:extLst>
+              <a:ext uri="{FF2B5EF4-FFF2-40B4-BE49-F238E27FC236}">
+                <a16:creationId xmlns:a16="http://schemas.microsoft.com/office/drawing/2014/main" id="{CB648122-8029-BEAF-AA20-A5BCF56B4222}"/>
+              </a:ext>
+            </a:extLst>
+          </p:cNvPr>
+          <p:cNvSpPr/>
+          <p:nvPr/>
+        </p:nvSpPr>
+        <p:spPr>
+          <a:xfrm>
+            <a:off x="8617676" y="1230923"/>
+            <a:ext cx="2947482" cy="2727121"/>
+          </a:xfrm>
+          <a:prstGeom prst="frame">
+            <a:avLst>
+              <a:gd name="adj1" fmla="val 5150"/>
+            </a:avLst>
+          </a:prstGeom>
+          <a:solidFill>
+            <a:srgbClr val="C00000"/>
+          </a:solidFill>
+          <a:ln>
+            <a:solidFill>
+              <a:srgbClr val="C00000"/>
+            </a:solidFill>
+          </a:ln>
+        </p:spPr>
+        <p:style>
+          <a:lnRef idx="2">
+            <a:schemeClr val="accent1">
+              <a:shade val="15000"/>
+            </a:schemeClr>
+          </a:lnRef>
+          <a:fillRef idx="1">
+            <a:schemeClr val="accent1"/>
+          </a:fillRef>
+          <a:effectRef idx="0">
+            <a:schemeClr val="accent1"/>
+          </a:effectRef>
+          <a:fontRef idx="minor">
+            <a:schemeClr val="lt1"/>
+          </a:fontRef>
+        </p:style>
+        <p:txBody>
+          <a:bodyPr rtlCol="0" anchor="ctr"/>
+          <a:lstStyle/>
+          <a:p>
+            <a:pPr algn="ctr"/>
+            <a:endParaRPr lang="en-US">
+              <a:solidFill>
+                <a:schemeClr val="tx1"/>
+              </a:solidFill>
+            </a:endParaRPr>
+          </a:p>
+        </p:txBody>
+      </p:sp>
+    </p:spTree>
+  </p:cSld>
+  <p:clrMapOvr>
+    <a:masterClrMapping/>
+  </p:clrMapOvr>
+  <p:timing>
+    <p:tnLst>
+      <p:par>
+        <p:cTn id="1" dur="indefinite" restart="never" nodeType="tmRoot">
+          <p:childTnLst>
+            <p:seq concurrent="1" nextAc="seek">
+              <p:cTn id="2" dur="indefinite" nodeType="mainSeq">
+                <p:childTnLst>
+                  <p:par>
+                    <p:cTn id="3" fill="hold">
+                      <p:stCondLst>
+                        <p:cond delay="indefinite"/>
+                      </p:stCondLst>
+                      <p:childTnLst>
+                        <p:par>
+                          <p:cTn id="4" fill="hold">
+                            <p:stCondLst>
+                              <p:cond delay="0"/>
+                            </p:stCondLst>
+                            <p:childTnLst>
+                              <p:par>
+                                <p:cTn id="5" presetID="10" presetClass="entr" presetSubtype="0" fill="hold" nodeType="clickEffect">
+                                  <p:stCondLst>
+                                    <p:cond delay="0"/>
+                                  </p:stCondLst>
+                                  <p:childTnLst>
+                                    <p:set>
+                                      <p:cBhvr>
+                                        <p:cTn id="6" dur="1" fill="hold">
+                                          <p:stCondLst>
+                                            <p:cond delay="0"/>
+                                          </p:stCondLst>
+                                        </p:cTn>
+                                        <p:tgtEl>
+                                          <p:spTgt spid="551"/>
+                                        </p:tgtEl>
+                                        <p:attrNameLst>
+                                          <p:attrName>style.visibility</p:attrName>
+                                        </p:attrNameLst>
+                                      </p:cBhvr>
+                                      <p:to>
+                                        <p:strVal val="visible"/>
+                                      </p:to>
+                                    </p:set>
+                                    <p:animEffect transition="in" filter="fade">
+                                      <p:cBhvr>
+                                        <p:cTn id="7" dur="500"/>
+                                        <p:tgtEl>
+                                          <p:spTgt spid="551"/>
+                                        </p:tgtEl>
+                                      </p:cBhvr>
+                                    </p:animEffect>
+                                  </p:childTnLst>
+                                </p:cTn>
+                              </p:par>
+                              <p:par>
+                                <p:cTn id="8" presetID="10" presetClass="entr" presetSubtype="0" fill="hold" nodeType="withEffect">
+                                  <p:stCondLst>
+                                    <p:cond delay="0"/>
+                                  </p:stCondLst>
+                                  <p:childTnLst>
+                                    <p:set>
+                                      <p:cBhvr>
+                                        <p:cTn id="9" dur="1" fill="hold">
+                                          <p:stCondLst>
+                                            <p:cond delay="0"/>
+                                          </p:stCondLst>
+                                        </p:cTn>
+                                        <p:tgtEl>
+                                          <p:spTgt spid="548"/>
+                                        </p:tgtEl>
+                                        <p:attrNameLst>
+                                          <p:attrName>style.visibility</p:attrName>
+                                        </p:attrNameLst>
+                                      </p:cBhvr>
+                                      <p:to>
+                                        <p:strVal val="visible"/>
+                                      </p:to>
+                                    </p:set>
+                                    <p:animEffect transition="in" filter="fade">
+                                      <p:cBhvr>
+                                        <p:cTn id="10" dur="1000"/>
+                                        <p:tgtEl>
+                                          <p:spTgt spid="548"/>
+                                        </p:tgtEl>
+                                      </p:cBhvr>
+                                    </p:animEffect>
+                                  </p:childTnLst>
+                                </p:cTn>
+                              </p:par>
+                            </p:childTnLst>
+                          </p:cTn>
+                        </p:par>
+                      </p:childTnLst>
+                    </p:cTn>
+                  </p:par>
+                  <p:par>
+                    <p:cTn id="11" fill="hold">
+                      <p:stCondLst>
+                        <p:cond delay="indefinite"/>
+                      </p:stCondLst>
+                      <p:childTnLst>
+                        <p:par>
+                          <p:cTn id="12" fill="hold">
+                            <p:stCondLst>
+                              <p:cond delay="0"/>
+                            </p:stCondLst>
+                            <p:childTnLst>
+                              <p:par>
+                                <p:cTn id="13" presetID="10" presetClass="entr" presetSubtype="0" fill="hold" nodeType="clickEffect">
+                                  <p:stCondLst>
+                                    <p:cond delay="0"/>
+                                  </p:stCondLst>
+                                  <p:childTnLst>
+                                    <p:set>
+                                      <p:cBhvr>
+                                        <p:cTn id="14" dur="1" fill="hold">
+                                          <p:stCondLst>
+                                            <p:cond delay="0"/>
+                                          </p:stCondLst>
+                                        </p:cTn>
+                                        <p:tgtEl>
+                                          <p:spTgt spid="557"/>
+                                        </p:tgtEl>
+                                        <p:attrNameLst>
+                                          <p:attrName>style.visibility</p:attrName>
+                                        </p:attrNameLst>
+                                      </p:cBhvr>
+                                      <p:to>
+                                        <p:strVal val="visible"/>
+                                      </p:to>
+                                    </p:set>
+                                    <p:animEffect transition="in" filter="fade">
+                                      <p:cBhvr>
+                                        <p:cTn id="15" dur="500"/>
+                                        <p:tgtEl>
+                                          <p:spTgt spid="557"/>
+                                        </p:tgtEl>
+                                      </p:cBhvr>
+                                    </p:animEffect>
+                                  </p:childTnLst>
+                                </p:cTn>
+                              </p:par>
+                              <p:par>
+                                <p:cTn id="16" presetID="10" presetClass="entr" presetSubtype="0" fill="hold" nodeType="withEffect">
+                                  <p:stCondLst>
+                                    <p:cond delay="0"/>
+                                  </p:stCondLst>
+                                  <p:childTnLst>
+                                    <p:set>
+                                      <p:cBhvr>
+                                        <p:cTn id="17" dur="1" fill="hold">
+                                          <p:stCondLst>
+                                            <p:cond delay="0"/>
+                                          </p:stCondLst>
+                                        </p:cTn>
+                                        <p:tgtEl>
+                                          <p:spTgt spid="549"/>
+                                        </p:tgtEl>
+                                        <p:attrNameLst>
+                                          <p:attrName>style.visibility</p:attrName>
+                                        </p:attrNameLst>
+                                      </p:cBhvr>
+                                      <p:to>
+                                        <p:strVal val="visible"/>
+                                      </p:to>
+                                    </p:set>
+                                    <p:animEffect transition="in" filter="fade">
+                                      <p:cBhvr>
+                                        <p:cTn id="18" dur="1000"/>
+                                        <p:tgtEl>
+                                          <p:spTgt spid="549"/>
+                                        </p:tgtEl>
+                                      </p:cBhvr>
+                                    </p:animEffect>
+                                  </p:childTnLst>
+                                </p:cTn>
+                              </p:par>
+                            </p:childTnLst>
+                          </p:cTn>
+                        </p:par>
+                      </p:childTnLst>
+                    </p:cTn>
+                  </p:par>
+                  <p:par>
+                    <p:cTn id="19" fill="hold">
+                      <p:stCondLst>
+                        <p:cond delay="indefinite"/>
+                      </p:stCondLst>
+                      <p:childTnLst>
+                        <p:par>
+                          <p:cTn id="20" fill="hold">
+                            <p:stCondLst>
+                              <p:cond delay="0"/>
+                            </p:stCondLst>
+                            <p:childTnLst>
+                              <p:par>
+                                <p:cTn id="21" presetID="10" presetClass="entr" presetSubtype="0" fill="hold" nodeType="clickEffect">
+                                  <p:stCondLst>
+                                    <p:cond delay="0"/>
+                                  </p:stCondLst>
+                                  <p:childTnLst>
+                                    <p:set>
+                                      <p:cBhvr>
+                                        <p:cTn id="22" dur="1" fill="hold">
+                                          <p:stCondLst>
+                                            <p:cond delay="0"/>
+                                          </p:stCondLst>
+                                        </p:cTn>
+                                        <p:tgtEl>
+                                          <p:spTgt spid="563"/>
+                                        </p:tgtEl>
+                                        <p:attrNameLst>
+                                          <p:attrName>style.visibility</p:attrName>
+                                        </p:attrNameLst>
+                                      </p:cBhvr>
+                                      <p:to>
+                                        <p:strVal val="visible"/>
+                                      </p:to>
+                                    </p:set>
+                                    <p:animEffect transition="in" filter="fade">
+                                      <p:cBhvr>
+                                        <p:cTn id="23" dur="500"/>
+                                        <p:tgtEl>
+                                          <p:spTgt spid="563"/>
+                                        </p:tgtEl>
+                                      </p:cBhvr>
+                                    </p:animEffect>
+                                  </p:childTnLst>
+                                </p:cTn>
+                              </p:par>
+                              <p:par>
+                                <p:cTn id="24" presetID="10" presetClass="entr" presetSubtype="0" fill="hold" nodeType="withEffect">
+                                  <p:stCondLst>
+                                    <p:cond delay="0"/>
+                                  </p:stCondLst>
+                                  <p:childTnLst>
+                                    <p:set>
+                                      <p:cBhvr>
+                                        <p:cTn id="25" dur="1" fill="hold">
+                                          <p:stCondLst>
+                                            <p:cond delay="0"/>
+                                          </p:stCondLst>
+                                        </p:cTn>
+                                        <p:tgtEl>
+                                          <p:spTgt spid="550"/>
+                                        </p:tgtEl>
+                                        <p:attrNameLst>
+                                          <p:attrName>style.visibility</p:attrName>
+                                        </p:attrNameLst>
+                                      </p:cBhvr>
+                                      <p:to>
+                                        <p:strVal val="visible"/>
+                                      </p:to>
+                                    </p:set>
+                                    <p:animEffect transition="in" filter="fade">
+                                      <p:cBhvr>
+                                        <p:cTn id="26" dur="1000"/>
+                                        <p:tgtEl>
+                                          <p:spTgt spid="550"/>
+                                        </p:tgtEl>
+                                      </p:cBhvr>
+                                    </p:animEffect>
+                                  </p:childTnLst>
+                                </p:cTn>
+                              </p:par>
+                            </p:childTnLst>
+                          </p:cTn>
+                        </p:par>
+                      </p:childTnLst>
+                    </p:cTn>
+                  </p:par>
+                </p:childTnLst>
+              </p:cTn>
+              <p:prevCondLst>
+                <p:cond evt="onPrev" delay="0">
+                  <p:tgtEl>
+                    <p:sldTgt/>
+                  </p:tgtEl>
+                </p:cond>
+              </p:prevCondLst>
+              <p:nextCondLst>
+                <p:cond evt="onNext" delay="0">
+                  <p:tgtEl>
+                    <p:sldTgt/>
+                  </p:tgtEl>
+                </p:cond>
+              </p:nextCondLst>
+            </p:seq>
+          </p:childTnLst>
+        </p:cTn>
+      </p:par>
+    </p:tnLst>
+  </p:timing>
+</p:sld>
+</file>
+
+<file path=ppt/slides/slide9.xml><?xml version="1.0" encoding="utf-8"?>
+<p:sld xmlns:a="http://schemas.openxmlformats.org/drawingml/2006/main" xmlns:r="http://schemas.openxmlformats.org/officeDocument/2006/relationships" xmlns:p="http://schemas.openxmlformats.org/presentationml/2006/main">
+  <p:cSld>
+    <p:spTree>
+      <p:nvGrpSpPr>
         <p:cNvPr id="1" name=""/>
         <p:cNvGrpSpPr/>
         <p:nvPr/>
@@ -10368,162 +12178,6 @@
     <p:extLst>
       <p:ext uri="{BB962C8B-B14F-4D97-AF65-F5344CB8AC3E}">
         <p14:creationId xmlns:p14="http://schemas.microsoft.com/office/powerpoint/2010/main" val="74350997"/>
-      </p:ext>
-    </p:extLst>
-  </p:cSld>
-  <p:clrMapOvr>
-    <a:masterClrMapping/>
-  </p:clrMapOvr>
-</p:sld>
-</file>
-
-<file path=ppt/slides/slide9.xml><?xml version="1.0" encoding="utf-8"?>
-<p:sld xmlns:a="http://schemas.openxmlformats.org/drawingml/2006/main" xmlns:r="http://schemas.openxmlformats.org/officeDocument/2006/relationships" xmlns:p="http://schemas.openxmlformats.org/presentationml/2006/main">
-  <p:cSld>
-    <p:spTree>
-      <p:nvGrpSpPr>
-        <p:cNvPr id="1" name=""/>
-        <p:cNvGrpSpPr/>
-        <p:nvPr/>
-      </p:nvGrpSpPr>
-      <p:grpSpPr>
-        <a:xfrm>
-          <a:off x="0" y="0"/>
-          <a:ext cx="0" cy="0"/>
-          <a:chOff x="0" y="0"/>
-          <a:chExt cx="0" cy="0"/>
-        </a:xfrm>
-      </p:grpSpPr>
-      <p:sp>
-        <p:nvSpPr>
-          <p:cNvPr id="2" name="Title 1">
-            <a:extLst>
-              <a:ext uri="{FF2B5EF4-FFF2-40B4-BE49-F238E27FC236}">
-                <a16:creationId xmlns:a16="http://schemas.microsoft.com/office/drawing/2014/main" id="{10D330C2-52A4-1ABA-980B-56FBC97F350C}"/>
-              </a:ext>
-            </a:extLst>
-          </p:cNvPr>
-          <p:cNvSpPr>
-            <a:spLocks noGrp="1"/>
-          </p:cNvSpPr>
-          <p:nvPr>
-            <p:ph type="title"/>
-          </p:nvPr>
-        </p:nvSpPr>
-        <p:spPr>
-          <a:xfrm>
-            <a:off x="252918" y="1123837"/>
-            <a:ext cx="3196863" cy="4601183"/>
-          </a:xfrm>
-        </p:spPr>
-        <p:txBody>
-          <a:bodyPr/>
-          <a:lstStyle/>
-          <a:p>
-            <a:r>
-              <a:rPr lang="en-US" dirty="0"/>
-              <a:t>Communicating Uncertainty</a:t>
-            </a:r>
-          </a:p>
-        </p:txBody>
-      </p:sp>
-      <p:sp>
-        <p:nvSpPr>
-          <p:cNvPr id="3" name="Content Placeholder 2">
-            <a:extLst>
-              <a:ext uri="{FF2B5EF4-FFF2-40B4-BE49-F238E27FC236}">
-                <a16:creationId xmlns:a16="http://schemas.microsoft.com/office/drawing/2014/main" id="{09034A00-3818-1701-807A-DC0F718A5A22}"/>
-              </a:ext>
-            </a:extLst>
-          </p:cNvPr>
-          <p:cNvSpPr>
-            <a:spLocks noGrp="1"/>
-          </p:cNvSpPr>
-          <p:nvPr>
-            <p:ph idx="1"/>
-          </p:nvPr>
-        </p:nvSpPr>
-        <p:spPr/>
-        <p:txBody>
-          <a:bodyPr anchor="t">
-            <a:normAutofit/>
-          </a:bodyPr>
-          <a:lstStyle/>
-          <a:p>
-            <a:r>
-              <a:rPr lang="en-US" sz="2400" dirty="0"/>
-              <a:t>Subtle ways to communicate uncertainty:</a:t>
-            </a:r>
-          </a:p>
-          <a:p>
-            <a:endParaRPr lang="en-US" sz="2400" dirty="0"/>
-          </a:p>
-          <a:p>
-            <a:endParaRPr lang="en-US" sz="2400" dirty="0"/>
-          </a:p>
-          <a:p>
-            <a:endParaRPr lang="en-US" sz="2400" dirty="0"/>
-          </a:p>
-          <a:p>
-            <a:pPr lvl="1"/>
-            <a:r>
-              <a:rPr lang="en-US" sz="2200" dirty="0"/>
-              <a:t>Can you see the uncertainty estimate? </a:t>
-            </a:r>
-          </a:p>
-        </p:txBody>
-      </p:sp>
-      <p:pic>
-        <p:nvPicPr>
-          <p:cNvPr id="7172" name="Picture 4">
-            <a:extLst>
-              <a:ext uri="{FF2B5EF4-FFF2-40B4-BE49-F238E27FC236}">
-                <a16:creationId xmlns:a16="http://schemas.microsoft.com/office/drawing/2014/main" id="{64385275-FC2C-6C05-729A-0EB881C697D9}"/>
-              </a:ext>
-            </a:extLst>
-          </p:cNvPr>
-          <p:cNvPicPr>
-            <a:picLocks noChangeAspect="1" noChangeArrowheads="1"/>
-          </p:cNvPicPr>
-          <p:nvPr/>
-        </p:nvPicPr>
-        <p:blipFill>
-          <a:blip r:embed="rId3">
-            <a:extLst>
-              <a:ext uri="{28A0092B-C50C-407E-A947-70E740481C1C}">
-                <a14:useLocalDpi xmlns:a14="http://schemas.microsoft.com/office/drawing/2010/main" val="0"/>
-              </a:ext>
-            </a:extLst>
-          </a:blip>
-          <a:srcRect/>
-          <a:stretch>
-            <a:fillRect/>
-          </a:stretch>
-        </p:blipFill>
-        <p:spPr bwMode="auto">
-          <a:xfrm>
-            <a:off x="3081868" y="1530349"/>
-            <a:ext cx="8890000" cy="1054100"/>
-          </a:xfrm>
-          <a:prstGeom prst="rect">
-            <a:avLst/>
-          </a:prstGeom>
-          <a:noFill/>
-          <a:extLst>
-            <a:ext uri="{909E8E84-426E-40DD-AFC4-6F175D3DCCD1}">
-              <a14:hiddenFill xmlns:a14="http://schemas.microsoft.com/office/drawing/2010/main">
-                <a:solidFill>
-                  <a:srgbClr val="FFFFFF"/>
-                </a:solidFill>
-              </a14:hiddenFill>
-            </a:ext>
-          </a:extLst>
-        </p:spPr>
-      </p:pic>
-    </p:spTree>
-    <p:extLst>
-      <p:ext uri="{BB962C8B-B14F-4D97-AF65-F5344CB8AC3E}">
-        <p14:creationId xmlns:p14="http://schemas.microsoft.com/office/powerpoint/2010/main" val="907879930"/>
       </p:ext>
     </p:extLst>
   </p:cSld>
